--- a/Presentations/DomainDrivenDesign/DDD-Introduction.pptx
+++ b/Presentations/DomainDrivenDesign/DDD-Introduction.pptx
@@ -52,11 +52,11 @@
       <p:regular r:id="rId38"/>
     </p:embeddedFont>
     <p:embeddedFont>
-      <p:font typeface="Sniglet" panose="020B0604020202020204" charset="0"/>
+      <p:font typeface="Arial Unicode MS" panose="020B0604020202020204" pitchFamily="34" charset="-128"/>
       <p:regular r:id="rId39"/>
     </p:embeddedFont>
     <p:embeddedFont>
-      <p:font typeface="Arial Unicode MS" panose="020B0604020202020204" pitchFamily="34" charset="-128"/>
+      <p:font typeface="Sniglet" panose="020B0604020202020204" charset="0"/>
       <p:regular r:id="rId40"/>
     </p:embeddedFont>
   </p:embeddedFontLst>
@@ -763,11 +763,11 @@
               <a:buNone/>
             </a:pPr>
             <a:r>
-              <a:rPr lang="en-US" dirty="0" smtClean="0"/>
+              <a:rPr lang="en-US" dirty="0"/>
               <a:t>Visualize the business</a:t>
             </a:r>
             <a:r>
-              <a:rPr lang="en-US" baseline="0" dirty="0" smtClean="0"/>
+              <a:rPr lang="en-US" baseline="0" dirty="0"/>
               <a:t> process flows on high level</a:t>
             </a:r>
           </a:p>
@@ -779,10 +779,10 @@
               <a:buNone/>
             </a:pPr>
             <a:r>
-              <a:rPr lang="en-US" baseline="0" dirty="0" smtClean="0"/>
+              <a:rPr lang="en-US" baseline="0" dirty="0"/>
               <a:t>Visualize boundaries</a:t>
             </a:r>
-            <a:endParaRPr lang="en-US" dirty="0" smtClean="0"/>
+            <a:endParaRPr lang="en-US" dirty="0"/>
           </a:p>
           <a:p>
             <a:pPr>
@@ -792,7 +792,7 @@
               <a:buNone/>
             </a:pPr>
             <a:r>
-              <a:rPr lang="en-US" dirty="0" smtClean="0"/>
+              <a:rPr lang="en-US" dirty="0"/>
               <a:t>Macro architecture</a:t>
             </a:r>
           </a:p>
@@ -805,7 +805,7 @@
               <a:buChar char="-"/>
             </a:pPr>
             <a:r>
-              <a:rPr lang="en-US" dirty="0" smtClean="0"/>
+              <a:rPr lang="en-US" dirty="0"/>
               <a:t>Much harder to introduce changes</a:t>
             </a:r>
           </a:p>
@@ -818,11 +818,11 @@
               <a:buChar char="-"/>
             </a:pPr>
             <a:r>
-              <a:rPr lang="en-US" dirty="0" smtClean="0"/>
+              <a:rPr lang="en-US" dirty="0"/>
               <a:t>Actually changes occur</a:t>
             </a:r>
             <a:r>
-              <a:rPr lang="en-US" baseline="0" dirty="0" smtClean="0"/>
+              <a:rPr lang="en-US" baseline="0" dirty="0"/>
               <a:t> very rarely</a:t>
             </a:r>
           </a:p>
@@ -951,12 +951,8 @@
               <a:buNone/>
             </a:pPr>
             <a:r>
-              <a:rPr lang="en-US" dirty="0" smtClean="0"/>
-              <a:t> </a:t>
-            </a:r>
-            <a:r>
-              <a:rPr lang="en-US" dirty="0" smtClean="0"/>
-              <a:t>Micro level view</a:t>
+              <a:rPr lang="en-US" dirty="0"/>
+              <a:t> Micro level view</a:t>
             </a:r>
             <a:endParaRPr dirty="0"/>
           </a:p>
@@ -1192,7 +1188,7 @@
               <a:buChar char="-"/>
             </a:pPr>
             <a:r>
-              <a:rPr lang="en-US" sz="1100" b="0" i="0" kern="1200" dirty="0" smtClean="0">
+              <a:rPr lang="en-US" sz="1100" b="0" i="0" kern="1200" dirty="0">
                 <a:solidFill>
                   <a:schemeClr val="tx1"/>
                 </a:solidFill>
@@ -1213,7 +1209,7 @@
               <a:buChar char="-"/>
             </a:pPr>
             <a:r>
-              <a:rPr lang="en-US" sz="1100" b="0" i="0" kern="1200" dirty="0" smtClean="0">
+              <a:rPr lang="en-US" sz="1100" b="0" i="0" kern="1200" dirty="0">
                 <a:solidFill>
                   <a:schemeClr val="tx1"/>
                 </a:solidFill>
@@ -1234,7 +1230,7 @@
               <a:buChar char="-"/>
             </a:pPr>
             <a:r>
-              <a:rPr lang="en-US" sz="1100" b="0" i="0" kern="1200" dirty="0" smtClean="0">
+              <a:rPr lang="en-US" sz="1100" b="0" i="0" kern="1200" dirty="0">
                 <a:solidFill>
                   <a:schemeClr val="tx1"/>
                 </a:solidFill>
@@ -1358,7 +1354,7 @@
           <a:lstStyle/>
           <a:p>
             <a:r>
-              <a:rPr lang="en-US" sz="1100" dirty="0" smtClean="0">
+              <a:rPr lang="en-US" sz="1100" dirty="0">
                 <a:latin typeface="Sniglet" panose="020B0604020202020204" charset="0"/>
               </a:rPr>
               <a:t>- What is a software?</a:t>
@@ -1366,7 +1362,7 @@
           </a:p>
           <a:p>
             <a:r>
-              <a:rPr lang="en-US" sz="1100" dirty="0" smtClean="0">
+              <a:rPr lang="en-US" sz="1100" dirty="0">
                 <a:latin typeface="Sniglet" panose="020B0604020202020204" charset="0"/>
               </a:rPr>
               <a:t>- Domain experts</a:t>
@@ -1374,7 +1370,7 @@
           </a:p>
           <a:p>
             <a:r>
-              <a:rPr lang="en-US" sz="1100" dirty="0" smtClean="0">
+              <a:rPr lang="en-US" sz="1100" dirty="0">
                 <a:latin typeface="Sniglet" panose="020B0604020202020204" charset="0"/>
               </a:rPr>
               <a:t>- Software has to model the domain</a:t>
@@ -1382,7 +1378,7 @@
           </a:p>
           <a:p>
             <a:r>
-              <a:rPr lang="en-US" sz="1100" dirty="0" smtClean="0">
+              <a:rPr lang="en-US" sz="1100" dirty="0">
                 <a:latin typeface="Sniglet" panose="020B0604020202020204" charset="0"/>
               </a:rPr>
               <a:t>- Puts the focus on the domain</a:t>
@@ -1390,7 +1386,7 @@
           </a:p>
           <a:p>
             <a:r>
-              <a:rPr lang="en-US" sz="1100" dirty="0" smtClean="0">
+              <a:rPr lang="en-US" sz="1100" dirty="0">
                 <a:latin typeface="Sniglet" panose="020B0604020202020204" charset="0"/>
               </a:rPr>
               <a:t>- By reading the code you should be able to learn a lot about the domain</a:t>
@@ -1398,14 +1394,11 @@
           </a:p>
           <a:p>
             <a:r>
-              <a:rPr lang="en-US" sz="1100" dirty="0" smtClean="0">
+              <a:rPr lang="en-US" sz="1100" dirty="0">
                 <a:latin typeface="Sniglet" panose="020B0604020202020204" charset="0"/>
               </a:rPr>
               <a:t>-Ubiquitous language</a:t>
             </a:r>
-            <a:endParaRPr lang="en-US" sz="1100" dirty="0">
-              <a:latin typeface="Sniglet" panose="020B0604020202020204" charset="0"/>
-            </a:endParaRPr>
           </a:p>
         </p:txBody>
       </p:sp>
@@ -2103,7 +2096,7 @@
               <a:buNone/>
             </a:pPr>
             <a:r>
-              <a:rPr lang="en-US" sz="1100" dirty="0" smtClean="0">
+              <a:rPr lang="en-US" sz="1100" dirty="0">
                 <a:solidFill>
                   <a:schemeClr val="tx1"/>
                 </a:solidFill>
@@ -2111,7 +2104,7 @@
               <a:t>Software</a:t>
             </a:r>
             <a:r>
-              <a:rPr lang="en-US" sz="1100" baseline="0" dirty="0" smtClean="0">
+              <a:rPr lang="en-US" sz="1100" baseline="0" dirty="0">
                 <a:solidFill>
                   <a:schemeClr val="tx1"/>
                 </a:solidFill>
@@ -2127,7 +2120,7 @@
               <a:buNone/>
             </a:pPr>
             <a:r>
-              <a:rPr lang="en-US" sz="1100" baseline="0" dirty="0" smtClean="0">
+              <a:rPr lang="en-US" sz="1100" baseline="0" dirty="0">
                 <a:solidFill>
                   <a:schemeClr val="tx1"/>
                 </a:solidFill>
@@ -2135,7 +2128,7 @@
               <a:t>	</a:t>
             </a:r>
             <a:r>
-              <a:rPr lang="en-US" altLang="en-US" sz="1100" dirty="0" smtClean="0">
+              <a:rPr lang="en-US" altLang="en-US" sz="1100" dirty="0">
                 <a:solidFill>
                   <a:srgbClr val="000000"/>
                 </a:solidFill>
@@ -2152,7 +2145,7 @@
               <a:buNone/>
             </a:pPr>
             <a:r>
-              <a:rPr lang="en-US" altLang="en-US" sz="1100" dirty="0" smtClean="0">
+              <a:rPr lang="en-US" altLang="en-US" sz="1100" dirty="0">
                 <a:solidFill>
                   <a:srgbClr val="000000"/>
                 </a:solidFill>
@@ -2169,7 +2162,7 @@
               <a:buNone/>
             </a:pPr>
             <a:r>
-              <a:rPr lang="en-US" altLang="en-US" sz="1100" dirty="0" smtClean="0">
+              <a:rPr lang="en-US" altLang="en-US" sz="1100" dirty="0">
                 <a:solidFill>
                   <a:srgbClr val="000000"/>
                 </a:solidFill>
@@ -2186,7 +2179,7 @@
               <a:buNone/>
             </a:pPr>
             <a:r>
-              <a:rPr lang="en-US" altLang="en-US" sz="1100" dirty="0" smtClean="0">
+              <a:rPr lang="en-US" altLang="en-US" sz="1100" dirty="0">
                 <a:solidFill>
                   <a:srgbClr val="000000"/>
                 </a:solidFill>
@@ -2203,7 +2196,7 @@
               <a:buNone/>
             </a:pPr>
             <a:r>
-              <a:rPr lang="en-US" altLang="en-US" sz="1100" dirty="0" smtClean="0">
+              <a:rPr lang="en-US" altLang="en-US" sz="1100" dirty="0">
                 <a:solidFill>
                   <a:srgbClr val="000000"/>
                 </a:solidFill>
@@ -2212,7 +2205,7 @@
               <a:t>	</a:t>
             </a:r>
             <a:r>
-              <a:rPr lang="en-US" altLang="en-US" sz="1100" dirty="0" err="1" smtClean="0">
+              <a:rPr lang="en-US" altLang="en-US" sz="1100" dirty="0" err="1">
                 <a:solidFill>
                   <a:srgbClr val="000000"/>
                 </a:solidFill>
@@ -2221,7 +2214,7 @@
               <a:t>Microservices</a:t>
             </a:r>
             <a:r>
-              <a:rPr lang="en-US" altLang="en-US" sz="1100" dirty="0" smtClean="0">
+              <a:rPr lang="en-US" altLang="en-US" sz="1100" dirty="0">
                 <a:solidFill>
                   <a:srgbClr val="000000"/>
                 </a:solidFill>
@@ -2238,7 +2231,7 @@
               <a:buNone/>
             </a:pPr>
             <a:r>
-              <a:rPr lang="en-US" altLang="en-US" sz="1100" dirty="0" smtClean="0">
+              <a:rPr lang="en-US" altLang="en-US" sz="1100" dirty="0">
                 <a:solidFill>
                   <a:srgbClr val="000000"/>
                 </a:solidFill>
@@ -2255,7 +2248,7 @@
               <a:buNone/>
             </a:pPr>
             <a:r>
-              <a:rPr lang="en-US" altLang="en-US" sz="1100" dirty="0" smtClean="0">
+              <a:rPr lang="en-US" altLang="en-US" sz="1100" dirty="0">
                 <a:solidFill>
                   <a:srgbClr val="000000"/>
                 </a:solidFill>
@@ -2272,7 +2265,7 @@
               <a:buNone/>
             </a:pPr>
             <a:r>
-              <a:rPr lang="en-US" altLang="en-US" sz="1100" dirty="0" smtClean="0">
+              <a:rPr lang="en-US" altLang="en-US" sz="1100" dirty="0">
                 <a:solidFill>
                   <a:srgbClr val="000000"/>
                 </a:solidFill>
@@ -2289,7 +2282,7 @@
               <a:buNone/>
             </a:pPr>
             <a:r>
-              <a:rPr lang="en-US" altLang="en-US" sz="1100" dirty="0" smtClean="0">
+              <a:rPr lang="en-US" altLang="en-US" sz="1100" dirty="0">
                 <a:solidFill>
                   <a:srgbClr val="000000"/>
                 </a:solidFill>
@@ -2306,7 +2299,7 @@
               <a:buNone/>
             </a:pPr>
             <a:r>
-              <a:rPr lang="en-US" altLang="en-US" sz="1100" dirty="0" smtClean="0">
+              <a:rPr lang="en-US" altLang="en-US" sz="1100" dirty="0">
                 <a:solidFill>
                   <a:srgbClr val="000000"/>
                 </a:solidFill>
@@ -2323,7 +2316,7 @@
               <a:buNone/>
             </a:pPr>
             <a:r>
-              <a:rPr lang="en-US" altLang="en-US" sz="1100" dirty="0" smtClean="0">
+              <a:rPr lang="en-US" altLang="en-US" sz="1100" dirty="0">
                 <a:solidFill>
                   <a:srgbClr val="000000"/>
                 </a:solidFill>
@@ -2331,16 +2324,8 @@
               </a:rPr>
               <a:t>	Eventual Consistency</a:t>
             </a:r>
-            <a:r>
-              <a:rPr lang="en-US" sz="1100" dirty="0" smtClean="0">
-                <a:solidFill>
-                  <a:schemeClr val="tx1"/>
-                </a:solidFill>
-              </a:rPr>
-              <a:t/>
-            </a:r>
             <a:br>
-              <a:rPr lang="en-US" sz="1100" dirty="0" smtClean="0">
+              <a:rPr lang="en-US" sz="1100" dirty="0">
                 <a:solidFill>
                   <a:schemeClr val="tx1"/>
                 </a:solidFill>
@@ -3613,11 +3598,11 @@
               <a:buNone/>
             </a:pPr>
             <a:r>
-              <a:rPr lang="en-US" dirty="0" smtClean="0"/>
+              <a:rPr lang="en-US" dirty="0"/>
               <a:t>- How</a:t>
             </a:r>
             <a:r>
-              <a:rPr lang="en-US" baseline="0" dirty="0" smtClean="0"/>
+              <a:rPr lang="en-US" baseline="0" dirty="0"/>
               <a:t> the Blue book is organized. Read Part IV: Strategic Design to the end and then the whole book.</a:t>
             </a:r>
           </a:p>
@@ -4194,7 +4179,7 @@
               <a:buNone/>
             </a:pPr>
             <a:r>
-              <a:rPr lang="en-US" sz="1100" dirty="0" smtClean="0">
+              <a:rPr lang="en-US" sz="1100" dirty="0">
                 <a:solidFill>
                   <a:schemeClr val="tx1"/>
                 </a:solidFill>
@@ -4202,7 +4187,7 @@
               <a:t>Software</a:t>
             </a:r>
             <a:r>
-              <a:rPr lang="en-US" sz="1100" baseline="0" dirty="0" smtClean="0">
+              <a:rPr lang="en-US" sz="1100" baseline="0" dirty="0">
                 <a:solidFill>
                   <a:schemeClr val="tx1"/>
                 </a:solidFill>
@@ -4218,7 +4203,7 @@
               <a:buNone/>
             </a:pPr>
             <a:r>
-              <a:rPr lang="en-US" sz="1100" baseline="0" dirty="0" smtClean="0">
+              <a:rPr lang="en-US" sz="1100" baseline="0" dirty="0">
                 <a:solidFill>
                   <a:schemeClr val="tx1"/>
                 </a:solidFill>
@@ -4226,7 +4211,7 @@
               <a:t>	</a:t>
             </a:r>
             <a:r>
-              <a:rPr lang="en-US" altLang="en-US" sz="1100" dirty="0" smtClean="0">
+              <a:rPr lang="en-US" altLang="en-US" sz="1100" dirty="0">
                 <a:solidFill>
                   <a:srgbClr val="000000"/>
                 </a:solidFill>
@@ -4243,7 +4228,7 @@
               <a:buNone/>
             </a:pPr>
             <a:r>
-              <a:rPr lang="en-US" altLang="en-US" sz="1100" dirty="0" smtClean="0">
+              <a:rPr lang="en-US" altLang="en-US" sz="1100" dirty="0">
                 <a:solidFill>
                   <a:srgbClr val="000000"/>
                 </a:solidFill>
@@ -4260,7 +4245,7 @@
               <a:buNone/>
             </a:pPr>
             <a:r>
-              <a:rPr lang="en-US" altLang="en-US" sz="1100" dirty="0" smtClean="0">
+              <a:rPr lang="en-US" altLang="en-US" sz="1100" dirty="0">
                 <a:solidFill>
                   <a:srgbClr val="000000"/>
                 </a:solidFill>
@@ -4277,7 +4262,7 @@
               <a:buNone/>
             </a:pPr>
             <a:r>
-              <a:rPr lang="en-US" altLang="en-US" sz="1100" dirty="0" smtClean="0">
+              <a:rPr lang="en-US" altLang="en-US" sz="1100" dirty="0">
                 <a:solidFill>
                   <a:srgbClr val="000000"/>
                 </a:solidFill>
@@ -4294,7 +4279,7 @@
               <a:buNone/>
             </a:pPr>
             <a:r>
-              <a:rPr lang="en-US" altLang="en-US" sz="1100" dirty="0" smtClean="0">
+              <a:rPr lang="en-US" altLang="en-US" sz="1100" dirty="0">
                 <a:solidFill>
                   <a:srgbClr val="000000"/>
                 </a:solidFill>
@@ -4303,7 +4288,7 @@
               <a:t>	</a:t>
             </a:r>
             <a:r>
-              <a:rPr lang="en-US" altLang="en-US" sz="1100" dirty="0" err="1" smtClean="0">
+              <a:rPr lang="en-US" altLang="en-US" sz="1100" dirty="0" err="1">
                 <a:solidFill>
                   <a:srgbClr val="000000"/>
                 </a:solidFill>
@@ -4312,7 +4297,7 @@
               <a:t>Microservices</a:t>
             </a:r>
             <a:r>
-              <a:rPr lang="en-US" altLang="en-US" sz="1100" dirty="0" smtClean="0">
+              <a:rPr lang="en-US" altLang="en-US" sz="1100" dirty="0">
                 <a:solidFill>
                   <a:srgbClr val="000000"/>
                 </a:solidFill>
@@ -4329,7 +4314,7 @@
               <a:buNone/>
             </a:pPr>
             <a:r>
-              <a:rPr lang="en-US" altLang="en-US" sz="1100" dirty="0" smtClean="0">
+              <a:rPr lang="en-US" altLang="en-US" sz="1100" dirty="0">
                 <a:solidFill>
                   <a:srgbClr val="000000"/>
                 </a:solidFill>
@@ -4346,7 +4331,7 @@
               <a:buNone/>
             </a:pPr>
             <a:r>
-              <a:rPr lang="en-US" altLang="en-US" sz="1100" dirty="0" smtClean="0">
+              <a:rPr lang="en-US" altLang="en-US" sz="1100" dirty="0">
                 <a:solidFill>
                   <a:srgbClr val="000000"/>
                 </a:solidFill>
@@ -4363,7 +4348,7 @@
               <a:buNone/>
             </a:pPr>
             <a:r>
-              <a:rPr lang="en-US" altLang="en-US" sz="1100" dirty="0" smtClean="0">
+              <a:rPr lang="en-US" altLang="en-US" sz="1100" dirty="0">
                 <a:solidFill>
                   <a:srgbClr val="000000"/>
                 </a:solidFill>
@@ -4380,7 +4365,7 @@
               <a:buNone/>
             </a:pPr>
             <a:r>
-              <a:rPr lang="en-US" altLang="en-US" sz="1100" dirty="0" smtClean="0">
+              <a:rPr lang="en-US" altLang="en-US" sz="1100" dirty="0">
                 <a:solidFill>
                   <a:srgbClr val="000000"/>
                 </a:solidFill>
@@ -4397,7 +4382,7 @@
               <a:buNone/>
             </a:pPr>
             <a:r>
-              <a:rPr lang="en-US" altLang="en-US" sz="1100" dirty="0" smtClean="0">
+              <a:rPr lang="en-US" altLang="en-US" sz="1100" dirty="0">
                 <a:solidFill>
                   <a:srgbClr val="000000"/>
                 </a:solidFill>
@@ -4414,7 +4399,7 @@
               <a:buNone/>
             </a:pPr>
             <a:r>
-              <a:rPr lang="en-US" altLang="en-US" sz="1100" dirty="0" smtClean="0">
+              <a:rPr lang="en-US" altLang="en-US" sz="1100" dirty="0">
                 <a:solidFill>
                   <a:srgbClr val="000000"/>
                 </a:solidFill>
@@ -4422,16 +4407,8 @@
               </a:rPr>
               <a:t>	Eventual Consistency</a:t>
             </a:r>
-            <a:r>
-              <a:rPr lang="en-US" sz="1100" dirty="0" smtClean="0">
-                <a:solidFill>
-                  <a:schemeClr val="tx1"/>
-                </a:solidFill>
-              </a:rPr>
-              <a:t/>
-            </a:r>
             <a:br>
-              <a:rPr lang="en-US" sz="1100" dirty="0" smtClean="0">
+              <a:rPr lang="en-US" sz="1100" dirty="0">
                 <a:solidFill>
                   <a:schemeClr val="tx1"/>
                 </a:solidFill>
@@ -4665,11 +4642,11 @@
               <a:buNone/>
             </a:pPr>
             <a:r>
-              <a:rPr lang="en-US" dirty="0" smtClean="0"/>
+              <a:rPr lang="en-US" dirty="0"/>
               <a:t>- How</a:t>
             </a:r>
             <a:r>
-              <a:rPr lang="en-US" baseline="0" dirty="0" smtClean="0"/>
+              <a:rPr lang="en-US" baseline="0" dirty="0"/>
               <a:t> the Blue book is organized. Read Part IV: Strategic Design to the end and then the whole book.</a:t>
             </a:r>
           </a:p>
@@ -7263,7 +7240,7 @@
               <a:buNone/>
             </a:pPr>
             <a:r>
-              <a:rPr lang="en" sz="9600" dirty="0" smtClean="0">
+              <a:rPr lang="en" sz="9600" dirty="0">
                 <a:solidFill>
                   <a:schemeClr val="tx1"/>
                 </a:solidFill>
@@ -7272,13 +7249,6 @@
               </a:rPr>
               <a:t>HELLO!</a:t>
             </a:r>
-            <a:endParaRPr lang="en" sz="9600" dirty="0">
-              <a:solidFill>
-                <a:schemeClr val="tx1"/>
-              </a:solidFill>
-              <a:latin typeface="Walter Turncoat" panose="020B0604020202020204" charset="0"/>
-              <a:ea typeface="Walter Turncoat" panose="020B0604020202020204" charset="0"/>
-            </a:endParaRPr>
           </a:p>
         </p:txBody>
       </p:sp>
@@ -8622,7 +8592,7 @@
           <a:p>
             <a:pPr algn="ctr"/>
             <a:r>
-              <a:rPr lang="en-US" sz="2400" dirty="0" smtClean="0"/>
+              <a:rPr lang="en-US" sz="2400" dirty="0"/>
               <a:t>Sales</a:t>
             </a:r>
           </a:p>
@@ -8663,7 +8633,7 @@
           <a:p>
             <a:pPr algn="ctr"/>
             <a:r>
-              <a:rPr lang="en-US" sz="2400" dirty="0" smtClean="0"/>
+              <a:rPr lang="en-US" sz="2400" dirty="0"/>
               <a:t>Reporting</a:t>
             </a:r>
           </a:p>
@@ -8704,7 +8674,7 @@
           <a:p>
             <a:pPr algn="ctr"/>
             <a:r>
-              <a:rPr lang="en-US" sz="2400" dirty="0" smtClean="0"/>
+              <a:rPr lang="en-US" sz="2400" dirty="0"/>
               <a:t>Orders</a:t>
             </a:r>
           </a:p>
@@ -8745,7 +8715,7 @@
           <a:p>
             <a:pPr algn="ctr"/>
             <a:r>
-              <a:rPr lang="en-US" sz="2400" dirty="0" smtClean="0"/>
+              <a:rPr lang="en-US" sz="2400" dirty="0"/>
               <a:t>Billing</a:t>
             </a:r>
           </a:p>
@@ -8786,7 +8756,7 @@
           <a:p>
             <a:pPr algn="ctr"/>
             <a:r>
-              <a:rPr lang="en-US" sz="2400" dirty="0" smtClean="0"/>
+              <a:rPr lang="en-US" sz="2400" dirty="0"/>
               <a:t>Shipping</a:t>
             </a:r>
           </a:p>
@@ -9158,16 +9128,12 @@
           <a:lstStyle/>
           <a:p>
             <a:r>
-              <a:rPr lang="en-US" sz="2400" dirty="0" smtClean="0">
+              <a:rPr lang="en-US" sz="2400" dirty="0">
                 <a:latin typeface="Walter Turncoat" panose="020B0604020202020204" charset="0"/>
                 <a:ea typeface="Walter Turncoat" panose="020B0604020202020204" charset="0"/>
               </a:rPr>
               <a:t>… at the beginning</a:t>
             </a:r>
-            <a:endParaRPr lang="en-US" sz="2400" dirty="0">
-              <a:latin typeface="Walter Turncoat" panose="020B0604020202020204" charset="0"/>
-              <a:ea typeface="Walter Turncoat" panose="020B0604020202020204" charset="0"/>
-            </a:endParaRPr>
           </a:p>
         </p:txBody>
       </p:sp>
@@ -9227,16 +9193,12 @@
           <a:lstStyle/>
           <a:p>
             <a:r>
-              <a:rPr lang="en-US" sz="2400" dirty="0" smtClean="0">
+              <a:rPr lang="en-US" sz="2400" dirty="0">
                 <a:latin typeface="Walter Turncoat" panose="020B0604020202020204" charset="0"/>
                 <a:ea typeface="Walter Turncoat" panose="020B0604020202020204" charset="0"/>
               </a:rPr>
               <a:t>… after time</a:t>
             </a:r>
-            <a:endParaRPr lang="en-US" sz="2400" dirty="0">
-              <a:latin typeface="Walter Turncoat" panose="020B0604020202020204" charset="0"/>
-              <a:ea typeface="Walter Turncoat" panose="020B0604020202020204" charset="0"/>
-            </a:endParaRPr>
           </a:p>
         </p:txBody>
       </p:sp>
@@ -9329,18 +9291,13 @@
           <a:lstStyle/>
           <a:p>
             <a:r>
-              <a:rPr lang="en" dirty="0" smtClean="0">
+              <a:rPr lang="en" dirty="0">
                 <a:solidFill>
                   <a:schemeClr val="tx1"/>
                 </a:solidFill>
               </a:rPr>
               <a:t>Big Ball of Mud</a:t>
             </a:r>
-            <a:endParaRPr lang="en" dirty="0">
-              <a:solidFill>
-                <a:schemeClr val="tx1"/>
-              </a:solidFill>
-            </a:endParaRPr>
           </a:p>
         </p:txBody>
       </p:sp>
@@ -13625,19 +13582,7 @@
               <a:rPr lang="en-US" sz="1800" dirty="0">
                 <a:latin typeface="Sniglet" panose="020B0604020202020204" charset="0"/>
               </a:rPr>
-              <a:t>A Big Ball of Mud is a haphazardly structured, sprawling, sloppy, duct-tape-and-baling-wire, </a:t>
-            </a:r>
-            <a:r>
-              <a:rPr lang="en-US" sz="1800" dirty="0" smtClean="0">
-                <a:latin typeface="Sniglet" panose="020B0604020202020204" charset="0"/>
-              </a:rPr>
-              <a:t>spaghetti-code</a:t>
-            </a:r>
-            <a:r>
-              <a:rPr lang="en-US" sz="1800" dirty="0">
-                <a:latin typeface="Sniglet" panose="020B0604020202020204" charset="0"/>
-              </a:rPr>
-              <a:t> jungle. These systems show unmistakable signs of unregulated growth, and repeated, expedient repair. Information is shared promiscuously among distant elements of the system, often to the point where nearly all the important information becomes global or duplicated. The overall structure of the system may never have been well defined. If it was, it may have eroded beyond recognition. Programmers with a shred of architectural sensibility shun these quagmires. Only those who are unconcerned about architecture, and, perhaps, are comfortable with the inertia of the day-to-day chore of patching the holes in these failing dikes, are content to work on such systems.</a:t>
+              <a:t>A Big Ball of Mud is a haphazardly structured, sprawling, sloppy, duct-tape-and-baling-wire, spaghetti-code jungle. These systems show unmistakable signs of unregulated growth, and repeated, expedient repair. Information is shared promiscuously among distant elements of the system, often to the point where nearly all the important information becomes global or duplicated. The overall structure of the system may never have been well defined. If it was, it may have eroded beyond recognition. Programmers with a shred of architectural sensibility shun these quagmires. Only those who are unconcerned about architecture, and, perhaps, are comfortable with the inertia of the day-to-day chore of patching the holes in these failing dikes, are content to work on such systems.</a:t>
             </a:r>
           </a:p>
         </p:txBody>
@@ -13707,18 +13652,13 @@
               <a:buNone/>
             </a:pPr>
             <a:r>
-              <a:rPr lang="en" dirty="0" smtClean="0">
+              <a:rPr lang="en" dirty="0">
                 <a:solidFill>
                   <a:schemeClr val="tx1"/>
                 </a:solidFill>
               </a:rPr>
               <a:t>What is DDD</a:t>
             </a:r>
-            <a:endParaRPr lang="en" dirty="0">
-              <a:solidFill>
-                <a:schemeClr val="tx1"/>
-              </a:solidFill>
-            </a:endParaRPr>
           </a:p>
         </p:txBody>
       </p:sp>
@@ -18081,9 +18021,6 @@
               </a:rPr>
               <a:t>- Write software that expresses those models explicitly</a:t>
             </a:r>
-            <a:endParaRPr lang="en-US" sz="2400" dirty="0">
-              <a:latin typeface="Sniglet" panose="020B0604020202020204" charset="0"/>
-            </a:endParaRPr>
           </a:p>
         </p:txBody>
       </p:sp>
@@ -22368,14 +22305,11 @@
           <a:lstStyle/>
           <a:p>
             <a:r>
-              <a:rPr lang="en-US" sz="2400" dirty="0" smtClean="0">
+              <a:rPr lang="en-US" sz="2400" dirty="0">
                 <a:latin typeface="Sniglet" panose="020B0604020202020204" charset="0"/>
               </a:rPr>
               <a:t>- Reduce complexity</a:t>
             </a:r>
-            <a:endParaRPr lang="en-US" sz="2400" dirty="0">
-              <a:latin typeface="Sniglet" panose="020B0604020202020204" charset="0"/>
-            </a:endParaRPr>
           </a:p>
         </p:txBody>
       </p:sp>
@@ -22402,14 +22336,11 @@
           <a:lstStyle/>
           <a:p>
             <a:r>
-              <a:rPr lang="en-US" sz="2400" dirty="0" smtClean="0">
+              <a:rPr lang="en-US" sz="2400" dirty="0">
                 <a:latin typeface="Sniglet" panose="020B0604020202020204" charset="0"/>
               </a:rPr>
               <a:t>- Easier to maintain over time</a:t>
             </a:r>
-            <a:endParaRPr lang="en-US" sz="2400" dirty="0">
-              <a:latin typeface="Sniglet" panose="020B0604020202020204" charset="0"/>
-            </a:endParaRPr>
           </a:p>
         </p:txBody>
       </p:sp>
@@ -22436,14 +22367,11 @@
           <a:lstStyle/>
           <a:p>
             <a:r>
-              <a:rPr lang="en-US" sz="2400" dirty="0" smtClean="0">
+              <a:rPr lang="en-US" sz="2400" dirty="0">
                 <a:latin typeface="Sniglet" panose="020B0604020202020204" charset="0"/>
               </a:rPr>
               <a:t>- Deliver business value, not ordinary software</a:t>
             </a:r>
-            <a:endParaRPr lang="en-US" sz="2400" dirty="0">
-              <a:latin typeface="Sniglet" panose="020B0604020202020204" charset="0"/>
-            </a:endParaRPr>
           </a:p>
         </p:txBody>
       </p:sp>
@@ -22539,38 +22467,11 @@
           <a:lstStyle/>
           <a:p>
             <a:r>
-              <a:rPr lang="en-US" sz="2400" i="1" dirty="0" smtClean="0">
-                <a:latin typeface="Sniglet" panose="020B0604020202020204" charset="0"/>
-              </a:rPr>
-              <a:t>organizations </a:t>
-            </a:r>
-            <a:r>
               <a:rPr lang="en-US" sz="2400" i="1" dirty="0">
                 <a:latin typeface="Sniglet" panose="020B0604020202020204" charset="0"/>
               </a:rPr>
-              <a:t>which design systems ... are constrained </a:t>
+              <a:t>organizations which design systems ... are constrained to produce designs which are copies of the communication structures of these organizations</a:t>
             </a:r>
-            <a:r>
-              <a:rPr lang="en-US" sz="2400" i="1" dirty="0" smtClean="0">
-                <a:latin typeface="Sniglet" panose="020B0604020202020204" charset="0"/>
-              </a:rPr>
-              <a:t>to </a:t>
-            </a:r>
-            <a:r>
-              <a:rPr lang="en-US" sz="2400" i="1" dirty="0">
-                <a:latin typeface="Sniglet" panose="020B0604020202020204" charset="0"/>
-              </a:rPr>
-              <a:t>produce designs </a:t>
-            </a:r>
-            <a:r>
-              <a:rPr lang="en-US" sz="2400" i="1" dirty="0" smtClean="0">
-                <a:latin typeface="Sniglet" panose="020B0604020202020204" charset="0"/>
-              </a:rPr>
-              <a:t>which are copies of the communication structures of these organizations</a:t>
-            </a:r>
-            <a:endParaRPr lang="en-US" sz="2400" i="1" dirty="0">
-              <a:latin typeface="Sniglet" panose="020B0604020202020204" charset="0"/>
-            </a:endParaRPr>
           </a:p>
         </p:txBody>
       </p:sp>
@@ -22642,7 +22543,7 @@
           <a:p>
             <a:pPr algn="ctr"/>
             <a:r>
-              <a:rPr lang="en-US" sz="2400" dirty="0" smtClean="0"/>
+              <a:rPr lang="en-US" sz="2400" dirty="0"/>
               <a:t>Sales</a:t>
             </a:r>
           </a:p>
@@ -22683,7 +22584,7 @@
           <a:p>
             <a:pPr algn="ctr"/>
             <a:r>
-              <a:rPr lang="en-US" sz="2400" dirty="0" smtClean="0"/>
+              <a:rPr lang="en-US" sz="2400" dirty="0"/>
               <a:t>Reporting</a:t>
             </a:r>
           </a:p>
@@ -22724,7 +22625,7 @@
           <a:p>
             <a:pPr algn="ctr"/>
             <a:r>
-              <a:rPr lang="en-US" sz="2400" dirty="0" smtClean="0"/>
+              <a:rPr lang="en-US" sz="2400" dirty="0"/>
               <a:t>Orders</a:t>
             </a:r>
           </a:p>
@@ -22765,7 +22666,7 @@
           <a:p>
             <a:pPr algn="ctr"/>
             <a:r>
-              <a:rPr lang="en-US" sz="2400" dirty="0" smtClean="0"/>
+              <a:rPr lang="en-US" sz="2400" dirty="0"/>
               <a:t>Billing</a:t>
             </a:r>
           </a:p>
@@ -22806,7 +22707,7 @@
           <a:p>
             <a:pPr algn="ctr"/>
             <a:r>
-              <a:rPr lang="en-US" sz="2400" dirty="0" smtClean="0"/>
+              <a:rPr lang="en-US" sz="2400" dirty="0"/>
               <a:t>Shipping</a:t>
             </a:r>
           </a:p>
@@ -23157,18 +23058,13 @@
               <a:buNone/>
             </a:pPr>
             <a:r>
-              <a:rPr lang="en" dirty="0" smtClean="0">
+              <a:rPr lang="en" dirty="0">
                 <a:solidFill>
                   <a:schemeClr val="tx1"/>
                 </a:solidFill>
               </a:rPr>
               <a:t>When to use DDD</a:t>
             </a:r>
-            <a:endParaRPr lang="en" dirty="0">
-              <a:solidFill>
-                <a:schemeClr val="tx1"/>
-              </a:solidFill>
-            </a:endParaRPr>
           </a:p>
         </p:txBody>
       </p:sp>
@@ -24600,47 +24496,43 @@
           <a:lstStyle/>
           <a:p>
             <a:r>
-              <a:rPr lang="en-US" sz="2400" dirty="0" smtClean="0"/>
+              <a:rPr lang="en-US" sz="2400" dirty="0"/>
               <a:t>0 pts : CRUD</a:t>
             </a:r>
           </a:p>
           <a:p>
             <a:r>
-              <a:rPr lang="en-US" sz="2400" dirty="0" smtClean="0"/>
+              <a:rPr lang="en-US" sz="2400" dirty="0"/>
               <a:t>1 pts : up to 30 business ops / user stories</a:t>
             </a:r>
           </a:p>
           <a:p>
             <a:r>
-              <a:rPr lang="en-US" sz="2400" dirty="0" smtClean="0"/>
+              <a:rPr lang="en-US" sz="2400" dirty="0"/>
               <a:t>2 pts : up to 40 business ops / user stories or certain </a:t>
             </a:r>
           </a:p>
           <a:p>
             <a:r>
               <a:rPr lang="en-US" sz="2400" dirty="0"/>
-              <a:t> </a:t>
-            </a:r>
-            <a:r>
-              <a:rPr lang="en-US" sz="2400" dirty="0" smtClean="0"/>
-              <a:t>          features tends to creep toward complexity</a:t>
+              <a:t>           features tends to creep toward complexity</a:t>
             </a:r>
           </a:p>
           <a:p>
             <a:r>
-              <a:rPr lang="en-US" sz="2400" dirty="0" smtClean="0"/>
+              <a:rPr lang="en-US" sz="2400" dirty="0"/>
               <a:t>3 pts : future complexity grow</a:t>
             </a:r>
           </a:p>
           <a:p>
             <a:r>
-              <a:rPr lang="en-US" sz="2400" dirty="0" smtClean="0"/>
+              <a:rPr lang="en-US" sz="2400" dirty="0"/>
               <a:t>4 pts : feature changes over time</a:t>
             </a:r>
           </a:p>
           <a:p>
             <a:r>
-              <a:rPr lang="en-US" sz="2400" dirty="0" smtClean="0"/>
+              <a:rPr lang="en-US" sz="2400" dirty="0"/>
               <a:t>5 pts : new or complex domain</a:t>
             </a:r>
           </a:p>
@@ -26219,18 +26111,13 @@
               <a:buNone/>
             </a:pPr>
             <a:r>
-              <a:rPr lang="en" dirty="0" smtClean="0">
+              <a:rPr lang="en" dirty="0">
                 <a:solidFill>
                   <a:schemeClr val="tx1"/>
                 </a:solidFill>
               </a:rPr>
               <a:t>How to apply DDD</a:t>
             </a:r>
-            <a:endParaRPr lang="en" dirty="0">
-              <a:solidFill>
-                <a:schemeClr val="tx1"/>
-              </a:solidFill>
-            </a:endParaRPr>
           </a:p>
         </p:txBody>
       </p:sp>
@@ -27662,14 +27549,11 @@
           <a:lstStyle/>
           <a:p>
             <a:r>
-              <a:rPr lang="en-US" sz="2400" dirty="0" smtClean="0">
+              <a:rPr lang="en-US" sz="2400" dirty="0">
                 <a:latin typeface="Sniglet" panose="020B0604020202020204" charset="0"/>
               </a:rPr>
               <a:t>- Find a domain expert</a:t>
             </a:r>
-            <a:endParaRPr lang="en-US" sz="2400" dirty="0">
-              <a:latin typeface="Sniglet" panose="020B0604020202020204" charset="0"/>
-            </a:endParaRPr>
           </a:p>
         </p:txBody>
       </p:sp>
@@ -27696,14 +27580,11 @@
           <a:lstStyle/>
           <a:p>
             <a:r>
-              <a:rPr lang="en-US" sz="2400" dirty="0" smtClean="0">
+              <a:rPr lang="en-US" sz="2400" dirty="0">
                 <a:latin typeface="Sniglet" panose="020B0604020202020204" charset="0"/>
               </a:rPr>
               <a:t>- Tactical design</a:t>
             </a:r>
-            <a:endParaRPr lang="en-US" sz="2400" dirty="0">
-              <a:latin typeface="Sniglet" panose="020B0604020202020204" charset="0"/>
-            </a:endParaRPr>
           </a:p>
         </p:txBody>
       </p:sp>
@@ -27730,14 +27611,11 @@
           <a:lstStyle/>
           <a:p>
             <a:r>
-              <a:rPr lang="en-US" sz="2400" dirty="0" smtClean="0">
+              <a:rPr lang="en-US" sz="2400" dirty="0">
                 <a:latin typeface="Sniglet" panose="020B0604020202020204" charset="0"/>
               </a:rPr>
               <a:t>- Strategic design</a:t>
             </a:r>
-            <a:endParaRPr lang="en-US" sz="2400" dirty="0">
-              <a:latin typeface="Sniglet" panose="020B0604020202020204" charset="0"/>
-            </a:endParaRPr>
           </a:p>
         </p:txBody>
       </p:sp>
@@ -27764,14 +27642,11 @@
           <a:lstStyle/>
           <a:p>
             <a:r>
-              <a:rPr lang="en-US" sz="2400" dirty="0" smtClean="0">
+              <a:rPr lang="en-US" sz="2400" dirty="0">
                 <a:latin typeface="Sniglet" panose="020B0604020202020204" charset="0"/>
               </a:rPr>
               <a:t>- Fail fast</a:t>
             </a:r>
-            <a:endParaRPr lang="en-US" sz="2400" dirty="0">
-              <a:latin typeface="Sniglet" panose="020B0604020202020204" charset="0"/>
-            </a:endParaRPr>
           </a:p>
         </p:txBody>
       </p:sp>
@@ -29865,17 +29740,8 @@
               <a:rPr lang="en-US" sz="2400" dirty="0">
                 <a:latin typeface="Sniglet" panose="020B0604020202020204" charset="0"/>
               </a:rPr>
-              <a:t>!</a:t>
+              <a:t>! Steep learning curve !</a:t>
             </a:r>
-            <a:r>
-              <a:rPr lang="en-US" sz="2400" dirty="0" smtClean="0">
-                <a:latin typeface="Sniglet" panose="020B0604020202020204" charset="0"/>
-              </a:rPr>
-              <a:t> Steep learning curve !</a:t>
-            </a:r>
-            <a:endParaRPr lang="en-US" sz="2400" dirty="0">
-              <a:latin typeface="Sniglet" panose="020B0604020202020204" charset="0"/>
-            </a:endParaRPr>
           </a:p>
         </p:txBody>
       </p:sp>
@@ -29938,16 +29804,15 @@
           <a:lstStyle/>
           <a:p>
             <a:pPr lvl="0" algn="l"/>
-            <a:r>
-              <a:rPr lang="en-US" sz="1400" dirty="0" smtClean="0">
+            <a:br>
+              <a:rPr lang="en-US" sz="1400" dirty="0">
                 <a:solidFill>
                   <a:schemeClr val="tx1"/>
                 </a:solidFill>
               </a:rPr>
-              <a:t/>
-            </a:r>
+            </a:br>
             <a:br>
-              <a:rPr lang="en-US" sz="1400" dirty="0" smtClean="0">
+              <a:rPr lang="en-US" sz="1400" dirty="0">
                 <a:solidFill>
                   <a:schemeClr val="tx1"/>
                 </a:solidFill>
@@ -29959,7 +29824,22 @@
                   <a:schemeClr val="tx1"/>
                 </a:solidFill>
               </a:rPr>
-              <a:t/>
+              <a:t>	- S.O.L.I.D</a:t>
+            </a:r>
+            <a:br>
+              <a:rPr lang="en-US" sz="1400" dirty="0">
+                <a:solidFill>
+                  <a:schemeClr val="tx1"/>
+                </a:solidFill>
+              </a:rPr>
+            </a:br>
+            <a:r>
+              <a:rPr lang="en-US" sz="1400" dirty="0">
+                <a:solidFill>
+                  <a:schemeClr val="tx1"/>
+                </a:solidFill>
+              </a:rPr>
+              <a:t>	- Models for the Rescue</a:t>
             </a:r>
             <a:br>
               <a:rPr lang="en-US" sz="1400" dirty="0">
@@ -29977,20 +29857,155 @@
               <a:t>	- </a:t>
             </a:r>
             <a:r>
-              <a:rPr lang="en-US" sz="1400" dirty="0" smtClean="0">
+              <a:rPr lang="en-US" sz="1400" b="1" u="sng" dirty="0">
                 <a:solidFill>
                   <a:schemeClr val="tx1"/>
                 </a:solidFill>
               </a:rPr>
-              <a:t>S.O.L.I.D</a:t>
+              <a:t>Domain Driven Design</a:t>
             </a:r>
+            <a:br>
+              <a:rPr lang="en-US" sz="1400" b="1" u="sng" dirty="0">
+                <a:solidFill>
+                  <a:schemeClr val="tx1"/>
+                </a:solidFill>
+              </a:rPr>
+            </a:br>
             <a:r>
               <a:rPr lang="en-US" sz="1400" dirty="0">
                 <a:solidFill>
                   <a:schemeClr val="tx1"/>
                 </a:solidFill>
               </a:rPr>
-              <a:t/>
+              <a:t>		- </a:t>
+            </a:r>
+            <a:r>
+              <a:rPr lang="en-US" sz="1400" b="1" dirty="0">
+                <a:solidFill>
+                  <a:schemeClr val="tx1"/>
+                </a:solidFill>
+              </a:rPr>
+              <a:t>DDD Introduction</a:t>
+            </a:r>
+            <a:br>
+              <a:rPr lang="en-US" sz="1400" b="1" i="1" dirty="0">
+                <a:solidFill>
+                  <a:schemeClr val="tx1"/>
+                </a:solidFill>
+              </a:rPr>
+            </a:br>
+            <a:r>
+              <a:rPr lang="en-US" sz="1400" dirty="0">
+                <a:solidFill>
+                  <a:schemeClr val="tx1"/>
+                </a:solidFill>
+              </a:rPr>
+              <a:t>		- DDD Strategic Design</a:t>
+            </a:r>
+            <a:br>
+              <a:rPr lang="en-US" sz="1400" dirty="0">
+                <a:solidFill>
+                  <a:schemeClr val="tx1"/>
+                </a:solidFill>
+              </a:rPr>
+            </a:br>
+            <a:r>
+              <a:rPr lang="en-US" sz="1400" dirty="0">
+                <a:solidFill>
+                  <a:schemeClr val="tx1"/>
+                </a:solidFill>
+              </a:rPr>
+              <a:t>		- DDD Tactical Design</a:t>
+            </a:r>
+            <a:br>
+              <a:rPr lang="en-US" sz="1400" dirty="0">
+                <a:solidFill>
+                  <a:schemeClr val="tx1"/>
+                </a:solidFill>
+              </a:rPr>
+            </a:br>
+            <a:r>
+              <a:rPr lang="en-US" sz="1400" dirty="0">
+                <a:solidFill>
+                  <a:schemeClr val="tx1"/>
+                </a:solidFill>
+              </a:rPr>
+              <a:t>	- Software Architecture (Parts I, II &amp; III)</a:t>
+            </a:r>
+            <a:br>
+              <a:rPr lang="en-US" sz="1400" dirty="0">
+                <a:solidFill>
+                  <a:schemeClr val="tx1"/>
+                </a:solidFill>
+              </a:rPr>
+            </a:br>
+            <a:r>
+              <a:rPr lang="en-US" sz="1400" dirty="0">
+                <a:solidFill>
+                  <a:schemeClr val="tx1"/>
+                </a:solidFill>
+              </a:rPr>
+              <a:t>	- Application Lifecycle Management</a:t>
+            </a:r>
+            <a:br>
+              <a:rPr lang="en-US" sz="1400" dirty="0">
+                <a:solidFill>
+                  <a:schemeClr val="tx1"/>
+                </a:solidFill>
+              </a:rPr>
+            </a:br>
+            <a:r>
+              <a:rPr lang="en-US" sz="1400" dirty="0">
+                <a:solidFill>
+                  <a:schemeClr val="tx1"/>
+                </a:solidFill>
+              </a:rPr>
+              <a:t>	- Continuous Integration, Deployment, Delivery</a:t>
+            </a:r>
+            <a:br>
+              <a:rPr lang="en-US" sz="1400" dirty="0">
+                <a:solidFill>
+                  <a:schemeClr val="tx1"/>
+                </a:solidFill>
+              </a:rPr>
+            </a:br>
+            <a:r>
+              <a:rPr lang="en-US" sz="1400" dirty="0">
+                <a:solidFill>
+                  <a:schemeClr val="tx1"/>
+                </a:solidFill>
+              </a:rPr>
+              <a:t>	- Generic Domain as a Service</a:t>
+            </a:r>
+            <a:br>
+              <a:rPr lang="en-US" sz="1400" dirty="0">
+                <a:solidFill>
+                  <a:schemeClr val="tx1"/>
+                </a:solidFill>
+              </a:rPr>
+            </a:br>
+            <a:r>
+              <a:rPr lang="en-US" sz="1400" dirty="0">
+                <a:solidFill>
+                  <a:schemeClr val="tx1"/>
+                </a:solidFill>
+              </a:rPr>
+              <a:t>	- CQRS</a:t>
+            </a:r>
+            <a:br>
+              <a:rPr lang="en-US" sz="1400" dirty="0">
+                <a:solidFill>
+                  <a:schemeClr val="tx1"/>
+                </a:solidFill>
+              </a:rPr>
+            </a:br>
+            <a:r>
+              <a:rPr lang="en-US" sz="1400" dirty="0">
+                <a:solidFill>
+                  <a:schemeClr val="tx1"/>
+                </a:solidFill>
+              </a:rPr>
+              <a:t>	- Event Sourcing</a:t>
             </a:r>
             <a:br>
               <a:rPr lang="en-US" sz="1400" dirty="0">
@@ -30008,12 +30023,12 @@
               <a:t>	- </a:t>
             </a:r>
             <a:r>
-              <a:rPr lang="en-US" sz="1400" dirty="0" smtClean="0">
+              <a:rPr lang="en-US" sz="1400" dirty="0" err="1">
                 <a:solidFill>
                   <a:schemeClr val="tx1"/>
                 </a:solidFill>
               </a:rPr>
-              <a:t>Models </a:t>
+              <a:t>oAuth</a:t>
             </a:r>
             <a:r>
               <a:rPr lang="en-US" sz="1400" dirty="0">
@@ -30021,23 +30036,22 @@
                   <a:schemeClr val="tx1"/>
                 </a:solidFill>
               </a:rPr>
-              <a:t>for the </a:t>
+              <a:t> 2.0 &amp; OIDC</a:t>
             </a:r>
-            <a:r>
-              <a:rPr lang="en-US" sz="1400" dirty="0" smtClean="0">
+            <a:br>
+              <a:rPr lang="en-US" sz="1400" dirty="0">
                 <a:solidFill>
                   <a:schemeClr val="tx1"/>
                 </a:solidFill>
               </a:rPr>
-              <a:t>Rescue</a:t>
-            </a:r>
+            </a:br>
             <a:r>
               <a:rPr lang="en-US" sz="1400" dirty="0">
                 <a:solidFill>
                   <a:schemeClr val="tx1"/>
                 </a:solidFill>
               </a:rPr>
-              <a:t/>
+              <a:t>	- Lucene</a:t>
             </a:r>
             <a:br>
               <a:rPr lang="en-US" sz="1400" dirty="0">
@@ -30055,98 +30069,12 @@
               <a:t>	- </a:t>
             </a:r>
             <a:r>
-              <a:rPr lang="en-US" sz="1400" b="1" u="sng" dirty="0" smtClean="0">
+              <a:rPr lang="en-US" sz="1400" dirty="0" err="1">
                 <a:solidFill>
                   <a:schemeClr val="tx1"/>
                 </a:solidFill>
               </a:rPr>
-              <a:t>Domain </a:t>
-            </a:r>
-            <a:r>
-              <a:rPr lang="en-US" sz="1400" b="1" u="sng" dirty="0">
-                <a:solidFill>
-                  <a:schemeClr val="tx1"/>
-                </a:solidFill>
-              </a:rPr>
-              <a:t>Driven </a:t>
-            </a:r>
-            <a:r>
-              <a:rPr lang="en-US" sz="1400" b="1" u="sng" dirty="0" smtClean="0">
-                <a:solidFill>
-                  <a:schemeClr val="tx1"/>
-                </a:solidFill>
-              </a:rPr>
-              <a:t>Design</a:t>
-            </a:r>
-            <a:r>
-              <a:rPr lang="en-US" sz="1400" b="1" u="sng" dirty="0">
-                <a:solidFill>
-                  <a:schemeClr val="tx1"/>
-                </a:solidFill>
-              </a:rPr>
-              <a:t/>
-            </a:r>
-            <a:br>
-              <a:rPr lang="en-US" sz="1400" b="1" u="sng" dirty="0">
-                <a:solidFill>
-                  <a:schemeClr val="tx1"/>
-                </a:solidFill>
-              </a:rPr>
-            </a:br>
-            <a:r>
-              <a:rPr lang="en-US" sz="1400" dirty="0">
-                <a:solidFill>
-                  <a:schemeClr val="tx1"/>
-                </a:solidFill>
-              </a:rPr>
-              <a:t>		- </a:t>
-            </a:r>
-            <a:r>
-              <a:rPr lang="en-US" sz="1400" b="1" dirty="0" smtClean="0">
-                <a:solidFill>
-                  <a:schemeClr val="tx1"/>
-                </a:solidFill>
-              </a:rPr>
-              <a:t>DDD Introduction</a:t>
-            </a:r>
-            <a:r>
-              <a:rPr lang="en-US" sz="1400" b="1" i="1" dirty="0">
-                <a:solidFill>
-                  <a:schemeClr val="tx1"/>
-                </a:solidFill>
-              </a:rPr>
-              <a:t/>
-            </a:r>
-            <a:br>
-              <a:rPr lang="en-US" sz="1400" b="1" i="1" dirty="0">
-                <a:solidFill>
-                  <a:schemeClr val="tx1"/>
-                </a:solidFill>
-              </a:rPr>
-            </a:br>
-            <a:r>
-              <a:rPr lang="en-US" sz="1400" dirty="0">
-                <a:solidFill>
-                  <a:schemeClr val="tx1"/>
-                </a:solidFill>
-              </a:rPr>
-              <a:t>		- </a:t>
-            </a:r>
-            <a:r>
-              <a:rPr lang="en-US" sz="1400" dirty="0" smtClean="0">
-                <a:solidFill>
-                  <a:schemeClr val="tx1"/>
-                </a:solidFill>
-              </a:rPr>
-              <a:t>DDD Strategic Design</a:t>
-            </a:r>
-            <a:r>
-              <a:rPr lang="en-US" sz="1400" dirty="0">
-                <a:solidFill>
-                  <a:schemeClr val="tx1"/>
-                </a:solidFill>
-              </a:rPr>
-              <a:t/>
+              <a:t>Hystrix</a:t>
             </a:r>
             <a:br>
               <a:rPr lang="en-US" sz="1400" dirty="0">
@@ -30157,412 +30085,6 @@
             </a:br>
             <a:r>
               <a:rPr lang="en-US" sz="1400" dirty="0">
-                <a:solidFill>
-                  <a:schemeClr val="tx1"/>
-                </a:solidFill>
-              </a:rPr>
-              <a:t>		- </a:t>
-            </a:r>
-            <a:r>
-              <a:rPr lang="en-US" sz="1400" dirty="0" smtClean="0">
-                <a:solidFill>
-                  <a:schemeClr val="tx1"/>
-                </a:solidFill>
-              </a:rPr>
-              <a:t>DDD </a:t>
-            </a:r>
-            <a:r>
-              <a:rPr lang="en-US" sz="1400" dirty="0">
-                <a:solidFill>
-                  <a:schemeClr val="tx1"/>
-                </a:solidFill>
-              </a:rPr>
-              <a:t>Tactical </a:t>
-            </a:r>
-            <a:r>
-              <a:rPr lang="en-US" sz="1400" dirty="0" smtClean="0">
-                <a:solidFill>
-                  <a:schemeClr val="tx1"/>
-                </a:solidFill>
-              </a:rPr>
-              <a:t>Design</a:t>
-            </a:r>
-            <a:r>
-              <a:rPr lang="en-US" sz="1400" dirty="0">
-                <a:solidFill>
-                  <a:schemeClr val="tx1"/>
-                </a:solidFill>
-              </a:rPr>
-              <a:t/>
-            </a:r>
-            <a:br>
-              <a:rPr lang="en-US" sz="1400" dirty="0">
-                <a:solidFill>
-                  <a:schemeClr val="tx1"/>
-                </a:solidFill>
-              </a:rPr>
-            </a:br>
-            <a:r>
-              <a:rPr lang="en-US" sz="1400" dirty="0">
-                <a:solidFill>
-                  <a:schemeClr val="tx1"/>
-                </a:solidFill>
-              </a:rPr>
-              <a:t>	- </a:t>
-            </a:r>
-            <a:r>
-              <a:rPr lang="en-US" sz="1400" dirty="0" smtClean="0">
-                <a:solidFill>
-                  <a:schemeClr val="tx1"/>
-                </a:solidFill>
-              </a:rPr>
-              <a:t>Software </a:t>
-            </a:r>
-            <a:r>
-              <a:rPr lang="en-US" sz="1400" dirty="0">
-                <a:solidFill>
-                  <a:schemeClr val="tx1"/>
-                </a:solidFill>
-              </a:rPr>
-              <a:t>Architecture (Parts I, II &amp; III</a:t>
-            </a:r>
-            <a:r>
-              <a:rPr lang="en-US" sz="1400" dirty="0" smtClean="0">
-                <a:solidFill>
-                  <a:schemeClr val="tx1"/>
-                </a:solidFill>
-              </a:rPr>
-              <a:t>)</a:t>
-            </a:r>
-            <a:br>
-              <a:rPr lang="en-US" sz="1400" dirty="0" smtClean="0">
-                <a:solidFill>
-                  <a:schemeClr val="tx1"/>
-                </a:solidFill>
-              </a:rPr>
-            </a:br>
-            <a:r>
-              <a:rPr lang="en-US" sz="1400" dirty="0">
-                <a:solidFill>
-                  <a:schemeClr val="tx1"/>
-                </a:solidFill>
-              </a:rPr>
-              <a:t>	- </a:t>
-            </a:r>
-            <a:r>
-              <a:rPr lang="en-US" sz="1400" dirty="0" smtClean="0">
-                <a:solidFill>
-                  <a:schemeClr val="tx1"/>
-                </a:solidFill>
-              </a:rPr>
-              <a:t>Application </a:t>
-            </a:r>
-            <a:r>
-              <a:rPr lang="en-US" sz="1400" dirty="0">
-                <a:solidFill>
-                  <a:schemeClr val="tx1"/>
-                </a:solidFill>
-              </a:rPr>
-              <a:t>Lifecycle </a:t>
-            </a:r>
-            <a:r>
-              <a:rPr lang="en-US" sz="1400" dirty="0" smtClean="0">
-                <a:solidFill>
-                  <a:schemeClr val="tx1"/>
-                </a:solidFill>
-              </a:rPr>
-              <a:t>Management</a:t>
-            </a:r>
-            <a:r>
-              <a:rPr lang="en-US" sz="1400" dirty="0">
-                <a:solidFill>
-                  <a:schemeClr val="tx1"/>
-                </a:solidFill>
-              </a:rPr>
-              <a:t/>
-            </a:r>
-            <a:br>
-              <a:rPr lang="en-US" sz="1400" dirty="0">
-                <a:solidFill>
-                  <a:schemeClr val="tx1"/>
-                </a:solidFill>
-              </a:rPr>
-            </a:br>
-            <a:r>
-              <a:rPr lang="en-US" sz="1400" dirty="0">
-                <a:solidFill>
-                  <a:schemeClr val="tx1"/>
-                </a:solidFill>
-              </a:rPr>
-              <a:t>	- </a:t>
-            </a:r>
-            <a:r>
-              <a:rPr lang="en-US" sz="1400" dirty="0" smtClean="0">
-                <a:solidFill>
-                  <a:schemeClr val="tx1"/>
-                </a:solidFill>
-              </a:rPr>
-              <a:t>Continuous </a:t>
-            </a:r>
-            <a:r>
-              <a:rPr lang="en-US" sz="1400" dirty="0">
-                <a:solidFill>
-                  <a:schemeClr val="tx1"/>
-                </a:solidFill>
-              </a:rPr>
-              <a:t>Integration, Deployment, </a:t>
-            </a:r>
-            <a:r>
-              <a:rPr lang="en-US" sz="1400" dirty="0" smtClean="0">
-                <a:solidFill>
-                  <a:schemeClr val="tx1"/>
-                </a:solidFill>
-              </a:rPr>
-              <a:t>Delivery</a:t>
-            </a:r>
-            <a:r>
-              <a:rPr lang="en-US" sz="1400" dirty="0">
-                <a:solidFill>
-                  <a:schemeClr val="tx1"/>
-                </a:solidFill>
-              </a:rPr>
-              <a:t/>
-            </a:r>
-            <a:br>
-              <a:rPr lang="en-US" sz="1400" dirty="0">
-                <a:solidFill>
-                  <a:schemeClr val="tx1"/>
-                </a:solidFill>
-              </a:rPr>
-            </a:br>
-            <a:r>
-              <a:rPr lang="en-US" sz="1400" dirty="0">
-                <a:solidFill>
-                  <a:schemeClr val="tx1"/>
-                </a:solidFill>
-              </a:rPr>
-              <a:t>	- </a:t>
-            </a:r>
-            <a:r>
-              <a:rPr lang="en-US" sz="1400" dirty="0" smtClean="0">
-                <a:solidFill>
-                  <a:schemeClr val="tx1"/>
-                </a:solidFill>
-              </a:rPr>
-              <a:t>Generic </a:t>
-            </a:r>
-            <a:r>
-              <a:rPr lang="en-US" sz="1400" dirty="0">
-                <a:solidFill>
-                  <a:schemeClr val="tx1"/>
-                </a:solidFill>
-              </a:rPr>
-              <a:t>Domain as a </a:t>
-            </a:r>
-            <a:r>
-              <a:rPr lang="en-US" sz="1400" dirty="0" smtClean="0">
-                <a:solidFill>
-                  <a:schemeClr val="tx1"/>
-                </a:solidFill>
-              </a:rPr>
-              <a:t>Service</a:t>
-            </a:r>
-            <a:r>
-              <a:rPr lang="en-US" sz="1400" dirty="0">
-                <a:solidFill>
-                  <a:schemeClr val="tx1"/>
-                </a:solidFill>
-              </a:rPr>
-              <a:t/>
-            </a:r>
-            <a:br>
-              <a:rPr lang="en-US" sz="1400" dirty="0">
-                <a:solidFill>
-                  <a:schemeClr val="tx1"/>
-                </a:solidFill>
-              </a:rPr>
-            </a:br>
-            <a:r>
-              <a:rPr lang="en-US" sz="1400" dirty="0">
-                <a:solidFill>
-                  <a:schemeClr val="tx1"/>
-                </a:solidFill>
-              </a:rPr>
-              <a:t>	- </a:t>
-            </a:r>
-            <a:r>
-              <a:rPr lang="en-US" sz="1400" dirty="0" smtClean="0">
-                <a:solidFill>
-                  <a:schemeClr val="tx1"/>
-                </a:solidFill>
-              </a:rPr>
-              <a:t>CQRS</a:t>
-            </a:r>
-            <a:r>
-              <a:rPr lang="en-US" sz="1400" dirty="0">
-                <a:solidFill>
-                  <a:schemeClr val="tx1"/>
-                </a:solidFill>
-              </a:rPr>
-              <a:t/>
-            </a:r>
-            <a:br>
-              <a:rPr lang="en-US" sz="1400" dirty="0">
-                <a:solidFill>
-                  <a:schemeClr val="tx1"/>
-                </a:solidFill>
-              </a:rPr>
-            </a:br>
-            <a:r>
-              <a:rPr lang="en-US" sz="1400" dirty="0">
-                <a:solidFill>
-                  <a:schemeClr val="tx1"/>
-                </a:solidFill>
-              </a:rPr>
-              <a:t>	- </a:t>
-            </a:r>
-            <a:r>
-              <a:rPr lang="en-US" sz="1400" dirty="0" smtClean="0">
-                <a:solidFill>
-                  <a:schemeClr val="tx1"/>
-                </a:solidFill>
-              </a:rPr>
-              <a:t>Event Sourcing</a:t>
-            </a:r>
-            <a:r>
-              <a:rPr lang="en-US" sz="1400" dirty="0">
-                <a:solidFill>
-                  <a:schemeClr val="tx1"/>
-                </a:solidFill>
-              </a:rPr>
-              <a:t/>
-            </a:r>
-            <a:br>
-              <a:rPr lang="en-US" sz="1400" dirty="0">
-                <a:solidFill>
-                  <a:schemeClr val="tx1"/>
-                </a:solidFill>
-              </a:rPr>
-            </a:br>
-            <a:r>
-              <a:rPr lang="en-US" sz="1400" dirty="0">
-                <a:solidFill>
-                  <a:schemeClr val="tx1"/>
-                </a:solidFill>
-              </a:rPr>
-              <a:t>	- </a:t>
-            </a:r>
-            <a:r>
-              <a:rPr lang="en-US" sz="1400" dirty="0" err="1" smtClean="0">
-                <a:solidFill>
-                  <a:schemeClr val="tx1"/>
-                </a:solidFill>
-              </a:rPr>
-              <a:t>oAuth</a:t>
-            </a:r>
-            <a:r>
-              <a:rPr lang="en-US" sz="1400" dirty="0" smtClean="0">
-                <a:solidFill>
-                  <a:schemeClr val="tx1"/>
-                </a:solidFill>
-              </a:rPr>
-              <a:t> </a:t>
-            </a:r>
-            <a:r>
-              <a:rPr lang="en-US" sz="1400" dirty="0">
-                <a:solidFill>
-                  <a:schemeClr val="tx1"/>
-                </a:solidFill>
-              </a:rPr>
-              <a:t>2.0 &amp; </a:t>
-            </a:r>
-            <a:r>
-              <a:rPr lang="en-US" sz="1400" dirty="0" smtClean="0">
-                <a:solidFill>
-                  <a:schemeClr val="tx1"/>
-                </a:solidFill>
-              </a:rPr>
-              <a:t>OIDC</a:t>
-            </a:r>
-            <a:r>
-              <a:rPr lang="en-US" sz="1400" dirty="0">
-                <a:solidFill>
-                  <a:schemeClr val="tx1"/>
-                </a:solidFill>
-              </a:rPr>
-              <a:t/>
-            </a:r>
-            <a:br>
-              <a:rPr lang="en-US" sz="1400" dirty="0">
-                <a:solidFill>
-                  <a:schemeClr val="tx1"/>
-                </a:solidFill>
-              </a:rPr>
-            </a:br>
-            <a:r>
-              <a:rPr lang="en-US" sz="1400" dirty="0">
-                <a:solidFill>
-                  <a:schemeClr val="tx1"/>
-                </a:solidFill>
-              </a:rPr>
-              <a:t>	- </a:t>
-            </a:r>
-            <a:r>
-              <a:rPr lang="en-US" sz="1400" dirty="0" smtClean="0">
-                <a:solidFill>
-                  <a:schemeClr val="tx1"/>
-                </a:solidFill>
-              </a:rPr>
-              <a:t>Lucene</a:t>
-            </a:r>
-            <a:r>
-              <a:rPr lang="en-US" sz="1400" dirty="0">
-                <a:solidFill>
-                  <a:schemeClr val="tx1"/>
-                </a:solidFill>
-              </a:rPr>
-              <a:t/>
-            </a:r>
-            <a:br>
-              <a:rPr lang="en-US" sz="1400" dirty="0">
-                <a:solidFill>
-                  <a:schemeClr val="tx1"/>
-                </a:solidFill>
-              </a:rPr>
-            </a:br>
-            <a:r>
-              <a:rPr lang="en-US" sz="1400" dirty="0">
-                <a:solidFill>
-                  <a:schemeClr val="tx1"/>
-                </a:solidFill>
-              </a:rPr>
-              <a:t>	- </a:t>
-            </a:r>
-            <a:r>
-              <a:rPr lang="en-US" sz="1400" dirty="0" err="1" smtClean="0">
-                <a:solidFill>
-                  <a:schemeClr val="tx1"/>
-                </a:solidFill>
-              </a:rPr>
-              <a:t>Hystrix</a:t>
-            </a:r>
-            <a:r>
-              <a:rPr lang="en-US" sz="1400" dirty="0" smtClean="0">
-                <a:solidFill>
-                  <a:schemeClr val="tx1"/>
-                </a:solidFill>
-              </a:rPr>
-              <a:t/>
-            </a:r>
-            <a:br>
-              <a:rPr lang="en-US" sz="1400" dirty="0" smtClean="0">
-                <a:solidFill>
-                  <a:schemeClr val="tx1"/>
-                </a:solidFill>
-              </a:rPr>
-            </a:br>
-            <a:r>
-              <a:rPr lang="en-US" sz="1400" dirty="0" smtClean="0">
                 <a:solidFill>
                   <a:schemeClr val="tx1"/>
                 </a:solidFill>
@@ -30804,7 +30326,7 @@
           </a:lstStyle>
           <a:p>
             <a:r>
-              <a:rPr lang="en-US" dirty="0" smtClean="0">
+              <a:rPr lang="en-US" dirty="0">
                 <a:solidFill>
                   <a:schemeClr val="tx1"/>
                 </a:solidFill>
@@ -30812,18 +30334,13 @@
               <a:t>NOW</a:t>
             </a:r>
             <a:r>
-              <a:rPr lang="en" dirty="0" smtClean="0">
+              <a:rPr lang="en" dirty="0">
                 <a:solidFill>
                   <a:schemeClr val="tx1"/>
                 </a:solidFill>
               </a:rPr>
               <a:t>!</a:t>
             </a:r>
-            <a:endParaRPr lang="en" dirty="0">
-              <a:solidFill>
-                <a:schemeClr val="tx1"/>
-              </a:solidFill>
-            </a:endParaRPr>
           </a:p>
         </p:txBody>
       </p:sp>
@@ -33951,16 +33468,12 @@
               <a:buNone/>
             </a:pPr>
             <a:r>
-              <a:rPr lang="en" sz="4400" b="1" dirty="0" smtClean="0">
+              <a:rPr lang="en" sz="4400" b="1" dirty="0">
                 <a:latin typeface="Walter Turncoat" panose="020B0604020202020204" charset="0"/>
                 <a:ea typeface="Walter Turncoat" panose="020B0604020202020204" charset="0"/>
               </a:rPr>
               <a:t>Airplane Flight Control System</a:t>
             </a:r>
-            <a:endParaRPr lang="en" sz="4400" b="1" dirty="0">
-              <a:latin typeface="Walter Turncoat" panose="020B0604020202020204" charset="0"/>
-              <a:ea typeface="Walter Turncoat" panose="020B0604020202020204" charset="0"/>
-            </a:endParaRPr>
           </a:p>
         </p:txBody>
       </p:sp>
@@ -34001,7 +33514,7 @@
               <a:buChar char="-"/>
             </a:pPr>
             <a:r>
-              <a:rPr lang="en" sz="2600" dirty="0" smtClean="0">
+              <a:rPr lang="en" sz="2600" dirty="0">
                 <a:latin typeface="Sniglet" panose="020B0604020202020204" charset="0"/>
               </a:rPr>
               <a:t>Tracks every flight over a certain area</a:t>
@@ -34016,19 +33529,19 @@
               <a:buChar char="-"/>
             </a:pPr>
             <a:r>
-              <a:rPr lang="en" sz="2600" dirty="0" smtClean="0">
+              <a:rPr lang="en" sz="2600" dirty="0">
                 <a:latin typeface="Sniglet" panose="020B0604020202020204" charset="0"/>
               </a:rPr>
               <a:t>Determines of t</a:t>
             </a:r>
             <a:r>
-              <a:rPr lang="en-US" sz="2600" dirty="0" smtClean="0">
+              <a:rPr lang="en-US" sz="2600" dirty="0">
                 <a:latin typeface="Sniglet" panose="020B0604020202020204" charset="0"/>
               </a:rPr>
               <a:t>h</a:t>
             </a:r>
             <a:r>
-              <a:rPr lang="en" sz="2600" dirty="0" smtClean="0">
+              <a:rPr lang="en" sz="2600" dirty="0">
                 <a:latin typeface="Sniglet" panose="020B0604020202020204" charset="0"/>
               </a:rPr>
               <a:t>e flight follows its supposed route</a:t>
@@ -34043,14 +33556,11 @@
               <a:buChar char="-"/>
             </a:pPr>
             <a:r>
-              <a:rPr lang="en" sz="2600" dirty="0" smtClean="0">
+              <a:rPr lang="en" sz="2600" dirty="0">
                 <a:latin typeface="Sniglet" panose="020B0604020202020204" charset="0"/>
               </a:rPr>
               <a:t>Prevent possibility of a collision</a:t>
             </a:r>
-            <a:endParaRPr lang="en" sz="2600" dirty="0">
-              <a:latin typeface="Sniglet" panose="020B0604020202020204" charset="0"/>
-            </a:endParaRPr>
           </a:p>
         </p:txBody>
       </p:sp>
@@ -38020,41 +37530,8 @@
                 </a:solidFill>
                 <a:latin typeface="Sniglet" panose="020B0604020202020204" charset="0"/>
               </a:rPr>
-              <a:t> We want to monitor air traffic. </a:t>
+              <a:t> We want to monitor air traffic. Where do we start?</a:t>
             </a:r>
-            <a:r>
-              <a:rPr lang="en-US" sz="2400" dirty="0" smtClean="0">
-                <a:solidFill>
-                  <a:schemeClr val="tx1"/>
-                </a:solidFill>
-                <a:latin typeface="Sniglet" panose="020B0604020202020204" charset="0"/>
-              </a:rPr>
-              <a:t>Where </a:t>
-            </a:r>
-            <a:r>
-              <a:rPr lang="en-US" sz="2400" dirty="0">
-                <a:solidFill>
-                  <a:schemeClr val="tx1"/>
-                </a:solidFill>
-                <a:latin typeface="Sniglet" panose="020B0604020202020204" charset="0"/>
-              </a:rPr>
-              <a:t>do we start</a:t>
-            </a:r>
-            <a:r>
-              <a:rPr lang="en-US" sz="2400" dirty="0" smtClean="0">
-                <a:solidFill>
-                  <a:schemeClr val="tx1"/>
-                </a:solidFill>
-                <a:latin typeface="Sniglet" panose="020B0604020202020204" charset="0"/>
-              </a:rPr>
-              <a:t>?</a:t>
-            </a:r>
-            <a:endParaRPr lang="en-US" sz="2400" dirty="0">
-              <a:solidFill>
-                <a:schemeClr val="tx1"/>
-              </a:solidFill>
-              <a:latin typeface="Sniglet" panose="020B0604020202020204" charset="0"/>
-            </a:endParaRPr>
           </a:p>
         </p:txBody>
       </p:sp>
@@ -38113,23 +37590,8 @@
               </a:rPr>
               <a:t>Let’s start with the basics. All this traffic is made up </a:t>
             </a:r>
-            <a:endParaRPr lang="en-US" sz="2400" dirty="0" smtClean="0">
-              <a:solidFill>
-                <a:schemeClr val="tx1"/>
-              </a:solidFill>
-              <a:latin typeface="Sniglet" panose="020B0604020202020204" charset="0"/>
-            </a:endParaRPr>
           </a:p>
           <a:p>
-            <a:r>
-              <a:rPr lang="en-US" sz="2400" dirty="0" smtClean="0">
-                <a:solidFill>
-                  <a:schemeClr val="tx1"/>
-                </a:solidFill>
-                <a:latin typeface="Sniglet" panose="020B0604020202020204" charset="0"/>
-              </a:rPr>
-              <a:t>of</a:t>
-            </a:r>
             <a:r>
               <a:rPr lang="en-US" sz="2400" dirty="0">
                 <a:solidFill>
@@ -38137,7 +37599,7 @@
                 </a:solidFill>
                 <a:latin typeface="Sniglet" panose="020B0604020202020204" charset="0"/>
               </a:rPr>
-              <a:t> </a:t>
+              <a:t>of </a:t>
             </a:r>
             <a:r>
               <a:rPr lang="en-US" sz="2400" u="sng" dirty="0">
@@ -38155,25 +37617,7 @@
                 </a:solidFill>
                 <a:latin typeface="Sniglet" panose="020B0604020202020204" charset="0"/>
               </a:rPr>
-              <a:t>. </a:t>
-            </a:r>
-            <a:r>
-              <a:rPr lang="en-US" sz="2400" dirty="0" smtClean="0">
-                <a:solidFill>
-                  <a:schemeClr val="tx1"/>
-                </a:solidFill>
-                <a:latin typeface="Sniglet" panose="020B0604020202020204" charset="0"/>
-              </a:rPr>
-              <a:t>Each </a:t>
-            </a:r>
-            <a:r>
-              <a:rPr lang="en-US" sz="2400" dirty="0">
-                <a:solidFill>
-                  <a:schemeClr val="tx1"/>
-                </a:solidFill>
-                <a:latin typeface="Sniglet" panose="020B0604020202020204" charset="0"/>
-              </a:rPr>
-              <a:t>plane takes off from a </a:t>
+              <a:t>. Each plane takes off from a </a:t>
             </a:r>
             <a:r>
               <a:rPr lang="en-US" sz="2400" u="sng" dirty="0">
@@ -38193,23 +37637,8 @@
               </a:rPr>
               <a:t> place, and </a:t>
             </a:r>
-            <a:endParaRPr lang="en-US" sz="2400" dirty="0" smtClean="0">
-              <a:solidFill>
-                <a:schemeClr val="tx1"/>
-              </a:solidFill>
-              <a:latin typeface="Sniglet" panose="020B0604020202020204" charset="0"/>
-            </a:endParaRPr>
           </a:p>
           <a:p>
-            <a:r>
-              <a:rPr lang="en-US" sz="2400" dirty="0" smtClean="0">
-                <a:solidFill>
-                  <a:schemeClr val="tx1"/>
-                </a:solidFill>
-                <a:latin typeface="Sniglet" panose="020B0604020202020204" charset="0"/>
-              </a:rPr>
-              <a:t>lands </a:t>
-            </a:r>
             <a:r>
               <a:rPr lang="en-US" sz="2400" dirty="0">
                 <a:solidFill>
@@ -38217,7 +37646,7 @@
                 </a:solidFill>
                 <a:latin typeface="Sniglet" panose="020B0604020202020204" charset="0"/>
               </a:rPr>
-              <a:t>at a </a:t>
+              <a:t>lands at a </a:t>
             </a:r>
             <a:r>
               <a:rPr lang="en-US" sz="2400" u="sng" dirty="0">
@@ -40803,29 +40232,8 @@
               <a:rPr lang="en-US" sz="2400" dirty="0">
                 <a:latin typeface="Sniglet" panose="020B0604020202020204" charset="0"/>
               </a:rPr>
-              <a:t>We want to monitor air traffic. </a:t>
+              <a:t>We want to monitor air traffic. Where do we start?</a:t>
             </a:r>
-            <a:r>
-              <a:rPr lang="en-US" sz="2400" dirty="0" smtClean="0">
-                <a:latin typeface="Sniglet" panose="020B0604020202020204" charset="0"/>
-              </a:rPr>
-              <a:t>Where </a:t>
-            </a:r>
-            <a:r>
-              <a:rPr lang="en-US" sz="2400" dirty="0">
-                <a:latin typeface="Sniglet" panose="020B0604020202020204" charset="0"/>
-              </a:rPr>
-              <a:t>do we start</a:t>
-            </a:r>
-            <a:r>
-              <a:rPr lang="en-US" sz="2400" dirty="0" smtClean="0">
-                <a:latin typeface="Sniglet" panose="020B0604020202020204" charset="0"/>
-              </a:rPr>
-              <a:t>?</a:t>
-            </a:r>
-            <a:endParaRPr lang="en-US" sz="2400" dirty="0">
-              <a:latin typeface="Sniglet" panose="020B0604020202020204" charset="0"/>
-            </a:endParaRPr>
           </a:p>
         </p:txBody>
       </p:sp>
@@ -40875,22 +40283,13 @@
               </a:rPr>
               <a:t>Let’s start with the basics. All this traffic is made up </a:t>
             </a:r>
-            <a:endParaRPr lang="en-US" sz="2400" dirty="0" smtClean="0">
-              <a:latin typeface="Sniglet" panose="020B0604020202020204" charset="0"/>
-            </a:endParaRPr>
           </a:p>
           <a:p>
-            <a:r>
-              <a:rPr lang="en-US" sz="2400" dirty="0" smtClean="0">
-                <a:latin typeface="Sniglet" panose="020B0604020202020204" charset="0"/>
-              </a:rPr>
-              <a:t>of</a:t>
-            </a:r>
             <a:r>
               <a:rPr lang="en-US" sz="2400" dirty="0">
                 <a:latin typeface="Sniglet" panose="020B0604020202020204" charset="0"/>
               </a:rPr>
-              <a:t> </a:t>
+              <a:t>of </a:t>
             </a:r>
             <a:r>
               <a:rPr lang="en-US" sz="2400" u="sng" dirty="0">
@@ -40902,19 +40301,7 @@
               <a:rPr lang="en-US" sz="2400" dirty="0">
                 <a:latin typeface="Sniglet" panose="020B0604020202020204" charset="0"/>
               </a:rPr>
-              <a:t>. </a:t>
-            </a:r>
-            <a:r>
-              <a:rPr lang="en-US" sz="2400" dirty="0" smtClean="0">
-                <a:latin typeface="Sniglet" panose="020B0604020202020204" charset="0"/>
-              </a:rPr>
-              <a:t>Each </a:t>
-            </a:r>
-            <a:r>
-              <a:rPr lang="en-US" sz="2400" dirty="0">
-                <a:latin typeface="Sniglet" panose="020B0604020202020204" charset="0"/>
-              </a:rPr>
-              <a:t>plane takes off from a </a:t>
+              <a:t>. Each plane takes off from a </a:t>
             </a:r>
             <a:r>
               <a:rPr lang="en-US" sz="2400" u="sng" dirty="0">
@@ -40928,22 +40315,13 @@
               </a:rPr>
               <a:t> place, and </a:t>
             </a:r>
-            <a:endParaRPr lang="en-US" sz="2400" dirty="0" smtClean="0">
-              <a:latin typeface="Sniglet" panose="020B0604020202020204" charset="0"/>
-            </a:endParaRPr>
           </a:p>
           <a:p>
-            <a:r>
-              <a:rPr lang="en-US" sz="2400" dirty="0" smtClean="0">
-                <a:latin typeface="Sniglet" panose="020B0604020202020204" charset="0"/>
-              </a:rPr>
-              <a:t>lands </a:t>
-            </a:r>
             <a:r>
               <a:rPr lang="en-US" sz="2400" dirty="0">
                 <a:latin typeface="Sniglet" panose="020B0604020202020204" charset="0"/>
               </a:rPr>
-              <a:t>at a </a:t>
+              <a:t>lands at a </a:t>
             </a:r>
             <a:r>
               <a:rPr lang="en-US" sz="2400" u="sng" dirty="0">
@@ -41010,16 +40388,12 @@
           <a:p>
             <a:pPr algn="ctr"/>
             <a:r>
-              <a:rPr lang="en-US" sz="2400" dirty="0" smtClean="0">
+              <a:rPr lang="en-US" sz="2400" dirty="0">
                 <a:latin typeface="Walter Turncoat" panose="020B0604020202020204" charset="0"/>
                 <a:ea typeface="Walter Turncoat" panose="020B0604020202020204" charset="0"/>
               </a:rPr>
               <a:t>Departure</a:t>
             </a:r>
-            <a:endParaRPr lang="en-US" sz="2400" dirty="0">
-              <a:latin typeface="Walter Turncoat" panose="020B0604020202020204" charset="0"/>
-              <a:ea typeface="Walter Turncoat" panose="020B0604020202020204" charset="0"/>
-            </a:endParaRPr>
           </a:p>
         </p:txBody>
       </p:sp>
@@ -41068,16 +40442,12 @@
           <a:p>
             <a:pPr algn="ctr"/>
             <a:r>
-              <a:rPr lang="en-US" sz="2400" dirty="0" smtClean="0">
+              <a:rPr lang="en-US" sz="2400" dirty="0">
                 <a:latin typeface="Walter Turncoat" panose="020B0604020202020204" charset="0"/>
                 <a:ea typeface="Walter Turncoat" panose="020B0604020202020204" charset="0"/>
               </a:rPr>
               <a:t>Airplane</a:t>
             </a:r>
-            <a:endParaRPr lang="en-US" sz="2400" dirty="0">
-              <a:latin typeface="Walter Turncoat" panose="020B0604020202020204" charset="0"/>
-              <a:ea typeface="Walter Turncoat" panose="020B0604020202020204" charset="0"/>
-            </a:endParaRPr>
           </a:p>
         </p:txBody>
       </p:sp>
@@ -41126,16 +40496,12 @@
           <a:p>
             <a:pPr algn="ctr"/>
             <a:r>
-              <a:rPr lang="en-US" sz="2400" dirty="0" smtClean="0">
+              <a:rPr lang="en-US" sz="2400" dirty="0">
                 <a:latin typeface="Walter Turncoat" panose="020B0604020202020204" charset="0"/>
                 <a:ea typeface="Walter Turncoat" panose="020B0604020202020204" charset="0"/>
               </a:rPr>
               <a:t>Destination</a:t>
             </a:r>
-            <a:endParaRPr lang="en-US" sz="2400" dirty="0">
-              <a:latin typeface="Walter Turncoat" panose="020B0604020202020204" charset="0"/>
-              <a:ea typeface="Walter Turncoat" panose="020B0604020202020204" charset="0"/>
-            </a:endParaRPr>
           </a:p>
         </p:txBody>
       </p:sp>
@@ -41279,68 +40645,23 @@
               <a:rPr lang="en-US" sz="2400" dirty="0">
                 <a:latin typeface="Sniglet" panose="020B0604020202020204" charset="0"/>
               </a:rPr>
-              <a:t>That’s easy. When it flies, the plane can </a:t>
-            </a:r>
-            <a:r>
-              <a:rPr lang="en-US" sz="2400" dirty="0" smtClean="0">
-                <a:latin typeface="Sniglet" panose="020B0604020202020204" charset="0"/>
-              </a:rPr>
-              <a:t>just </a:t>
+              <a:t>That’s easy. When it flies, the plane can just </a:t>
             </a:r>
           </a:p>
           <a:p>
             <a:r>
-              <a:rPr lang="en-US" sz="2400" dirty="0" smtClean="0">
+              <a:rPr lang="en-US" sz="2400" dirty="0">
                 <a:latin typeface="Sniglet" panose="020B0604020202020204" charset="0"/>
               </a:rPr>
-              <a:t>choose </a:t>
+              <a:t>choose any air path the pilots like? Is it up to them to decide </a:t>
             </a:r>
+          </a:p>
+          <a:p>
             <a:r>
               <a:rPr lang="en-US" sz="2400" dirty="0">
                 <a:latin typeface="Sniglet" panose="020B0604020202020204" charset="0"/>
               </a:rPr>
-              <a:t>any air path the pilots like? Is it up to </a:t>
-            </a:r>
-            <a:r>
-              <a:rPr lang="en-US" sz="2400" dirty="0" smtClean="0">
-                <a:latin typeface="Sniglet" panose="020B0604020202020204" charset="0"/>
-              </a:rPr>
-              <a:t>them </a:t>
-            </a:r>
-            <a:r>
-              <a:rPr lang="en-US" sz="2400" dirty="0">
-                <a:latin typeface="Sniglet" panose="020B0604020202020204" charset="0"/>
-              </a:rPr>
-              <a:t>to decide </a:t>
-            </a:r>
-            <a:endParaRPr lang="en-US" sz="2400" dirty="0" smtClean="0">
-              <a:latin typeface="Sniglet" panose="020B0604020202020204" charset="0"/>
-            </a:endParaRPr>
-          </a:p>
-          <a:p>
-            <a:r>
-              <a:rPr lang="en-US" sz="2400" dirty="0" smtClean="0">
-                <a:latin typeface="Sniglet" panose="020B0604020202020204" charset="0"/>
-              </a:rPr>
-              <a:t>which </a:t>
-            </a:r>
-            <a:r>
-              <a:rPr lang="en-US" sz="2400" dirty="0">
-                <a:latin typeface="Sniglet" panose="020B0604020202020204" charset="0"/>
-              </a:rPr>
-              <a:t>way they should go, as </a:t>
-            </a:r>
-            <a:r>
-              <a:rPr lang="en-US" sz="2400" dirty="0" smtClean="0">
-                <a:latin typeface="Sniglet" panose="020B0604020202020204" charset="0"/>
-              </a:rPr>
-              <a:t>long </a:t>
-            </a:r>
-            <a:r>
-              <a:rPr lang="en-US" sz="2400" dirty="0">
-                <a:latin typeface="Sniglet" panose="020B0604020202020204" charset="0"/>
-              </a:rPr>
-              <a:t>as they reach destination? </a:t>
+              <a:t>which way they should go, as long as they reach destination? </a:t>
             </a:r>
           </a:p>
         </p:txBody>
@@ -41368,7 +40689,7 @@
           <a:lstStyle/>
           <a:p>
             <a:r>
-              <a:rPr lang="en-US" sz="2400" b="1" dirty="0" smtClean="0">
+              <a:rPr lang="en-US" sz="2400" b="1" dirty="0">
                 <a:solidFill>
                   <a:srgbClr val="00B050"/>
                 </a:solidFill>
@@ -41377,7 +40698,7 @@
               <a:t>Expert</a:t>
             </a:r>
             <a:r>
-              <a:rPr lang="en-US" sz="2400" dirty="0" smtClean="0">
+              <a:rPr lang="en-US" sz="2400" dirty="0">
                 <a:solidFill>
                   <a:srgbClr val="00B050"/>
                 </a:solidFill>
@@ -41386,16 +40707,10 @@
               <a:t>: </a:t>
             </a:r>
             <a:r>
-              <a:rPr lang="en-US" sz="2400" dirty="0" smtClean="0">
-                <a:latin typeface="Sniglet" panose="020B0604020202020204" charset="0"/>
-              </a:rPr>
-              <a:t>Oh</a:t>
-            </a:r>
-            <a:r>
               <a:rPr lang="en-US" sz="2400" dirty="0">
                 <a:latin typeface="Sniglet" panose="020B0604020202020204" charset="0"/>
               </a:rPr>
-              <a:t>, no. The pilots receive a </a:t>
+              <a:t>Oh, no. The pilots receive a </a:t>
             </a:r>
             <a:r>
               <a:rPr lang="en-US" sz="2400" u="sng" dirty="0">
@@ -41415,22 +40730,13 @@
               </a:rPr>
               <a:t>they must follow. </a:t>
             </a:r>
-            <a:endParaRPr lang="en-US" sz="2400" dirty="0" smtClean="0">
-              <a:latin typeface="Sniglet" panose="020B0604020202020204" charset="0"/>
-            </a:endParaRPr>
           </a:p>
           <a:p>
-            <a:r>
-              <a:rPr lang="en-US" sz="2400" dirty="0" smtClean="0">
-                <a:latin typeface="Sniglet" panose="020B0604020202020204" charset="0"/>
-              </a:rPr>
-              <a:t>And </a:t>
-            </a:r>
             <a:r>
               <a:rPr lang="en-US" sz="2400" dirty="0">
                 <a:latin typeface="Sniglet" panose="020B0604020202020204" charset="0"/>
               </a:rPr>
-              <a:t>they should stay on that </a:t>
+              <a:t>And they should stay on that </a:t>
             </a:r>
             <a:r>
               <a:rPr lang="en-US" sz="2400" u="sng" dirty="0">
@@ -41498,16 +40804,12 @@
           <a:p>
             <a:pPr algn="ctr"/>
             <a:r>
-              <a:rPr lang="en-US" sz="2400" dirty="0" smtClean="0">
+              <a:rPr lang="en-US" sz="2400" dirty="0">
                 <a:latin typeface="Walter Turncoat" panose="020B0604020202020204" charset="0"/>
                 <a:ea typeface="Walter Turncoat" panose="020B0604020202020204" charset="0"/>
               </a:rPr>
               <a:t>Departure</a:t>
             </a:r>
-            <a:endParaRPr lang="en-US" sz="2400" dirty="0">
-              <a:latin typeface="Walter Turncoat" panose="020B0604020202020204" charset="0"/>
-              <a:ea typeface="Walter Turncoat" panose="020B0604020202020204" charset="0"/>
-            </a:endParaRPr>
           </a:p>
         </p:txBody>
       </p:sp>
@@ -41556,16 +40858,12 @@
           <a:p>
             <a:pPr algn="ctr"/>
             <a:r>
-              <a:rPr lang="en-US" sz="2400" dirty="0" smtClean="0">
+              <a:rPr lang="en-US" sz="2400" dirty="0">
                 <a:latin typeface="Walter Turncoat" panose="020B0604020202020204" charset="0"/>
                 <a:ea typeface="Walter Turncoat" panose="020B0604020202020204" charset="0"/>
               </a:rPr>
               <a:t>Airplane</a:t>
             </a:r>
-            <a:endParaRPr lang="en-US" sz="2400" dirty="0">
-              <a:latin typeface="Walter Turncoat" panose="020B0604020202020204" charset="0"/>
-              <a:ea typeface="Walter Turncoat" panose="020B0604020202020204" charset="0"/>
-            </a:endParaRPr>
           </a:p>
         </p:txBody>
       </p:sp>
@@ -41614,16 +40912,12 @@
           <a:p>
             <a:pPr algn="ctr"/>
             <a:r>
-              <a:rPr lang="en-US" sz="2400" dirty="0" smtClean="0">
+              <a:rPr lang="en-US" sz="2400" dirty="0">
                 <a:latin typeface="Walter Turncoat" panose="020B0604020202020204" charset="0"/>
                 <a:ea typeface="Walter Turncoat" panose="020B0604020202020204" charset="0"/>
               </a:rPr>
               <a:t>Destination</a:t>
             </a:r>
-            <a:endParaRPr lang="en-US" sz="2400" dirty="0">
-              <a:latin typeface="Walter Turncoat" panose="020B0604020202020204" charset="0"/>
-              <a:ea typeface="Walter Turncoat" panose="020B0604020202020204" charset="0"/>
-            </a:endParaRPr>
           </a:p>
         </p:txBody>
       </p:sp>
@@ -41738,16 +41032,12 @@
           <a:p>
             <a:pPr algn="ctr"/>
             <a:r>
-              <a:rPr lang="en-US" sz="2400" dirty="0" smtClean="0">
+              <a:rPr lang="en-US" sz="2400" dirty="0">
                 <a:latin typeface="Walter Turncoat" panose="020B0604020202020204" charset="0"/>
                 <a:ea typeface="Walter Turncoat" panose="020B0604020202020204" charset="0"/>
               </a:rPr>
               <a:t>Route</a:t>
             </a:r>
-            <a:endParaRPr lang="en-US" sz="2400" dirty="0">
-              <a:latin typeface="Walter Turncoat" panose="020B0604020202020204" charset="0"/>
-              <a:ea typeface="Walter Turncoat" panose="020B0604020202020204" charset="0"/>
-            </a:endParaRPr>
           </a:p>
         </p:txBody>
       </p:sp>
@@ -41913,7 +41203,7 @@
           <a:lstStyle/>
           <a:p>
             <a:r>
-              <a:rPr lang="en-US" sz="2000" b="1" dirty="0" smtClean="0">
+              <a:rPr lang="en-US" sz="2000" b="1" dirty="0">
                 <a:solidFill>
                   <a:srgbClr val="00B050"/>
                 </a:solidFill>
@@ -41922,7 +41212,7 @@
               <a:t>Expert</a:t>
             </a:r>
             <a:r>
-              <a:rPr lang="en-US" sz="2000" dirty="0" smtClean="0">
+              <a:rPr lang="en-US" sz="2000" dirty="0">
                 <a:solidFill>
                   <a:srgbClr val="00B050"/>
                 </a:solidFill>
@@ -41946,31 +41236,7 @@
               <a:rPr lang="en-US" sz="2000" dirty="0">
                 <a:latin typeface="Sniglet" panose="020B0604020202020204" charset="0"/>
               </a:rPr>
-              <a:t> that way. The </a:t>
-            </a:r>
-            <a:r>
-              <a:rPr lang="en-US" sz="2000" dirty="0" smtClean="0">
-                <a:latin typeface="Sniglet" panose="020B0604020202020204" charset="0"/>
-              </a:rPr>
-              <a:t>route is </a:t>
-            </a:r>
-            <a:r>
-              <a:rPr lang="en-US" sz="2000" dirty="0">
-                <a:latin typeface="Sniglet" panose="020B0604020202020204" charset="0"/>
-              </a:rPr>
-              <a:t>actually the projection on the ground of the expected air </a:t>
-            </a:r>
-            <a:r>
-              <a:rPr lang="en-US" sz="2000" dirty="0" smtClean="0">
-                <a:latin typeface="Sniglet" panose="020B0604020202020204" charset="0"/>
-              </a:rPr>
-              <a:t>path </a:t>
-            </a:r>
-            <a:r>
-              <a:rPr lang="en-US" sz="2000" dirty="0">
-                <a:latin typeface="Sniglet" panose="020B0604020202020204" charset="0"/>
-              </a:rPr>
-              <a:t>of the airplane. The </a:t>
+              <a:t> that way. The route is actually the projection on the ground of the expected air path of the airplane. The </a:t>
             </a:r>
             <a:r>
               <a:rPr lang="en-US" sz="2000" u="sng" dirty="0">
@@ -41982,19 +41248,7 @@
               <a:rPr lang="en-US" sz="2000" dirty="0">
                 <a:latin typeface="Sniglet" panose="020B0604020202020204" charset="0"/>
               </a:rPr>
-              <a:t> goes through a series of points </a:t>
-            </a:r>
-            <a:r>
-              <a:rPr lang="en-US" sz="2000" dirty="0" smtClean="0">
-                <a:latin typeface="Sniglet" panose="020B0604020202020204" charset="0"/>
-              </a:rPr>
-              <a:t>on </a:t>
-            </a:r>
-            <a:r>
-              <a:rPr lang="en-US" sz="2000" dirty="0">
-                <a:latin typeface="Sniglet" panose="020B0604020202020204" charset="0"/>
-              </a:rPr>
-              <a:t>the ground determined by their </a:t>
+              <a:t> goes through a series of points on the ground determined by their </a:t>
             </a:r>
             <a:r>
               <a:rPr lang="en-US" sz="2000" u="sng" dirty="0">
@@ -42079,19 +41333,7 @@
               <a:rPr lang="en-US" sz="2000" dirty="0">
                 <a:latin typeface="Sniglet" panose="020B0604020202020204" charset="0"/>
               </a:rPr>
-              <a:t>, because it’s a fixed point of Earth’s surface. And we’ll use then a series of 2D points to </a:t>
-            </a:r>
-            <a:r>
-              <a:rPr lang="en-US" sz="2000" dirty="0" smtClean="0">
-                <a:latin typeface="Sniglet" panose="020B0604020202020204" charset="0"/>
-              </a:rPr>
-              <a:t>describe </a:t>
-            </a:r>
-            <a:r>
-              <a:rPr lang="en-US" sz="2000" dirty="0">
-                <a:latin typeface="Sniglet" panose="020B0604020202020204" charset="0"/>
-              </a:rPr>
-              <a:t>the path. And, by the way, the </a:t>
+              <a:t>, because it’s a fixed point of Earth’s surface. And we’ll use then a series of 2D points to describe the path. And, by the way, the </a:t>
             </a:r>
             <a:r>
               <a:rPr lang="en-US" sz="2000" u="sng" dirty="0">
@@ -42234,16 +41476,12 @@
           <a:p>
             <a:pPr algn="ctr"/>
             <a:r>
-              <a:rPr lang="en-US" sz="2400" dirty="0" smtClean="0">
+              <a:rPr lang="en-US" sz="2400" dirty="0">
                 <a:latin typeface="Walter Turncoat" panose="020B0604020202020204" charset="0"/>
                 <a:ea typeface="Walter Turncoat" panose="020B0604020202020204" charset="0"/>
               </a:rPr>
               <a:t>2D Point</a:t>
             </a:r>
-            <a:endParaRPr lang="en-US" sz="2400" dirty="0">
-              <a:latin typeface="Walter Turncoat" panose="020B0604020202020204" charset="0"/>
-              <a:ea typeface="Walter Turncoat" panose="020B0604020202020204" charset="0"/>
-            </a:endParaRPr>
           </a:p>
         </p:txBody>
       </p:sp>
@@ -42292,16 +41530,12 @@
           <a:p>
             <a:pPr algn="ctr"/>
             <a:r>
-              <a:rPr lang="en-US" sz="2400" dirty="0" smtClean="0">
+              <a:rPr lang="en-US" sz="2400" dirty="0">
                 <a:latin typeface="Walter Turncoat" panose="020B0604020202020204" charset="0"/>
                 <a:ea typeface="Walter Turncoat" panose="020B0604020202020204" charset="0"/>
               </a:rPr>
               <a:t>Airplane</a:t>
             </a:r>
-            <a:endParaRPr lang="en-US" sz="2400" dirty="0">
-              <a:latin typeface="Walter Turncoat" panose="020B0604020202020204" charset="0"/>
-              <a:ea typeface="Walter Turncoat" panose="020B0604020202020204" charset="0"/>
-            </a:endParaRPr>
           </a:p>
         </p:txBody>
       </p:sp>
@@ -42350,16 +41584,12 @@
           <a:p>
             <a:pPr algn="ctr"/>
             <a:r>
-              <a:rPr lang="en-US" sz="2400" dirty="0" smtClean="0">
+              <a:rPr lang="en-US" sz="2400" dirty="0">
                 <a:latin typeface="Walter Turncoat" panose="020B0604020202020204" charset="0"/>
                 <a:ea typeface="Walter Turncoat" panose="020B0604020202020204" charset="0"/>
               </a:rPr>
               <a:t>Fix</a:t>
             </a:r>
-            <a:endParaRPr lang="en-US" sz="2400" dirty="0">
-              <a:latin typeface="Walter Turncoat" panose="020B0604020202020204" charset="0"/>
-              <a:ea typeface="Walter Turncoat" panose="020B0604020202020204" charset="0"/>
-            </a:endParaRPr>
           </a:p>
         </p:txBody>
       </p:sp>
@@ -42474,16 +41704,12 @@
           <a:p>
             <a:pPr algn="ctr"/>
             <a:r>
-              <a:rPr lang="en-US" sz="2400" dirty="0" smtClean="0">
+              <a:rPr lang="en-US" sz="2400" dirty="0">
                 <a:latin typeface="Walter Turncoat" panose="020B0604020202020204" charset="0"/>
                 <a:ea typeface="Walter Turncoat" panose="020B0604020202020204" charset="0"/>
               </a:rPr>
               <a:t>Route</a:t>
             </a:r>
-            <a:endParaRPr lang="en-US" sz="2400" dirty="0">
-              <a:latin typeface="Walter Turncoat" panose="020B0604020202020204" charset="0"/>
-              <a:ea typeface="Walter Turncoat" panose="020B0604020202020204" charset="0"/>
-            </a:endParaRPr>
           </a:p>
         </p:txBody>
       </p:sp>
@@ -42637,7 +41863,7 @@
           <a:lstStyle/>
           <a:p>
             <a:r>
-              <a:rPr lang="en-US" sz="2400" b="1" dirty="0" smtClean="0">
+              <a:rPr lang="en-US" sz="2400" b="1" dirty="0">
                 <a:solidFill>
                   <a:srgbClr val="00B050"/>
                 </a:solidFill>
@@ -42646,7 +41872,7 @@
               <a:t>Expert</a:t>
             </a:r>
             <a:r>
-              <a:rPr lang="en-US" sz="2400" dirty="0" smtClean="0">
+              <a:rPr lang="en-US" sz="2400" dirty="0">
                 <a:solidFill>
                   <a:srgbClr val="00B050"/>
                 </a:solidFill>
@@ -42792,7 +42018,7 @@
           <a:lstStyle/>
           <a:p>
             <a:r>
-              <a:rPr lang="en-US" sz="2400" b="1" dirty="0" smtClean="0">
+              <a:rPr lang="en-US" sz="2400" b="1" dirty="0">
                 <a:solidFill>
                   <a:srgbClr val="00B050"/>
                 </a:solidFill>
@@ -42801,7 +42027,7 @@
               <a:t>Expert</a:t>
             </a:r>
             <a:r>
-              <a:rPr lang="en-US" sz="2400" dirty="0" smtClean="0">
+              <a:rPr lang="en-US" sz="2400" dirty="0">
                 <a:solidFill>
                   <a:srgbClr val="00B050"/>
                 </a:solidFill>
@@ -42959,7 +42185,7 @@
           <a:lstStyle/>
           <a:p>
             <a:r>
-              <a:rPr lang="en-US" sz="2400" b="1" dirty="0" smtClean="0">
+              <a:rPr lang="en-US" sz="2400" b="1" dirty="0">
                 <a:solidFill>
                   <a:srgbClr val="00B050"/>
                 </a:solidFill>
@@ -42968,7 +42194,7 @@
               <a:t>Expert</a:t>
             </a:r>
             <a:r>
-              <a:rPr lang="en-US" sz="2400" dirty="0" smtClean="0">
+              <a:rPr lang="en-US" sz="2400" dirty="0">
                 <a:solidFill>
                   <a:srgbClr val="00B050"/>
                 </a:solidFill>
@@ -43190,16 +42416,12 @@
           <a:p>
             <a:pPr algn="ctr"/>
             <a:r>
-              <a:rPr lang="en-US" sz="2400" dirty="0" smtClean="0">
+              <a:rPr lang="en-US" sz="2400" dirty="0">
                 <a:latin typeface="Walter Turncoat" panose="020B0604020202020204" charset="0"/>
                 <a:ea typeface="Walter Turncoat" panose="020B0604020202020204" charset="0"/>
               </a:rPr>
               <a:t>2D Point</a:t>
             </a:r>
-            <a:endParaRPr lang="en-US" sz="2400" dirty="0">
-              <a:latin typeface="Walter Turncoat" panose="020B0604020202020204" charset="0"/>
-              <a:ea typeface="Walter Turncoat" panose="020B0604020202020204" charset="0"/>
-            </a:endParaRPr>
           </a:p>
         </p:txBody>
       </p:sp>
@@ -43248,16 +42470,12 @@
           <a:p>
             <a:pPr algn="ctr"/>
             <a:r>
-              <a:rPr lang="en-US" sz="2400" dirty="0" smtClean="0">
+              <a:rPr lang="en-US" sz="2400" dirty="0">
                 <a:latin typeface="Walter Turncoat" panose="020B0604020202020204" charset="0"/>
                 <a:ea typeface="Walter Turncoat" panose="020B0604020202020204" charset="0"/>
               </a:rPr>
               <a:t>Flight Plan</a:t>
             </a:r>
-            <a:endParaRPr lang="en-US" sz="2400" dirty="0">
-              <a:latin typeface="Walter Turncoat" panose="020B0604020202020204" charset="0"/>
-              <a:ea typeface="Walter Turncoat" panose="020B0604020202020204" charset="0"/>
-            </a:endParaRPr>
           </a:p>
         </p:txBody>
       </p:sp>
@@ -43306,16 +42524,12 @@
           <a:p>
             <a:pPr algn="ctr"/>
             <a:r>
-              <a:rPr lang="en-US" sz="2400" dirty="0" smtClean="0">
+              <a:rPr lang="en-US" sz="2400" dirty="0">
                 <a:latin typeface="Walter Turncoat" panose="020B0604020202020204" charset="0"/>
                 <a:ea typeface="Walter Turncoat" panose="020B0604020202020204" charset="0"/>
               </a:rPr>
               <a:t>Fix</a:t>
             </a:r>
-            <a:endParaRPr lang="en-US" sz="2400" dirty="0">
-              <a:latin typeface="Walter Turncoat" panose="020B0604020202020204" charset="0"/>
-              <a:ea typeface="Walter Turncoat" panose="020B0604020202020204" charset="0"/>
-            </a:endParaRPr>
           </a:p>
         </p:txBody>
       </p:sp>
@@ -43430,16 +42644,12 @@
           <a:p>
             <a:pPr algn="ctr"/>
             <a:r>
-              <a:rPr lang="en-US" sz="2400" dirty="0" smtClean="0">
+              <a:rPr lang="en-US" sz="2400" dirty="0">
                 <a:latin typeface="Walter Turncoat" panose="020B0604020202020204" charset="0"/>
                 <a:ea typeface="Walter Turncoat" panose="020B0604020202020204" charset="0"/>
               </a:rPr>
               <a:t>Route</a:t>
             </a:r>
-            <a:endParaRPr lang="en-US" sz="2400" dirty="0">
-              <a:latin typeface="Walter Turncoat" panose="020B0604020202020204" charset="0"/>
-              <a:ea typeface="Walter Turncoat" panose="020B0604020202020204" charset="0"/>
-            </a:endParaRPr>
           </a:p>
         </p:txBody>
       </p:sp>
@@ -43521,16 +42731,12 @@
           <a:p>
             <a:pPr algn="ctr"/>
             <a:r>
-              <a:rPr lang="en-US" sz="2400" dirty="0" smtClean="0">
+              <a:rPr lang="en-US" sz="2400" dirty="0">
                 <a:latin typeface="Walter Turncoat" panose="020B0604020202020204" charset="0"/>
                 <a:ea typeface="Walter Turncoat" panose="020B0604020202020204" charset="0"/>
               </a:rPr>
               <a:t>Airplane</a:t>
             </a:r>
-            <a:endParaRPr lang="en-US" sz="2400" dirty="0">
-              <a:latin typeface="Walter Turncoat" panose="020B0604020202020204" charset="0"/>
-              <a:ea typeface="Walter Turncoat" panose="020B0604020202020204" charset="0"/>
-            </a:endParaRPr>
           </a:p>
         </p:txBody>
       </p:sp>
@@ -43632,7 +42838,7 @@
               <a:buNone/>
             </a:pPr>
             <a:r>
-              <a:rPr lang="en" sz="5400" b="1" dirty="0" smtClean="0">
+              <a:rPr lang="en" sz="5400" b="1" dirty="0">
                 <a:solidFill>
                   <a:schemeClr val="tx1"/>
                 </a:solidFill>
@@ -43640,14 +42846,14 @@
               <a:t>Domain</a:t>
             </a:r>
             <a:br>
-              <a:rPr lang="en" sz="5400" b="1" dirty="0" smtClean="0">
+              <a:rPr lang="en" sz="5400" b="1" dirty="0">
                 <a:solidFill>
                   <a:schemeClr val="tx1"/>
                 </a:solidFill>
               </a:rPr>
             </a:br>
             <a:r>
-              <a:rPr lang="en" sz="5400" b="1" dirty="0" smtClean="0">
+              <a:rPr lang="en" sz="5400" b="1" dirty="0">
                 <a:solidFill>
                   <a:schemeClr val="tx1"/>
                 </a:solidFill>
@@ -43655,14 +42861,14 @@
               <a:t>Driven </a:t>
             </a:r>
             <a:br>
-              <a:rPr lang="en" sz="5400" b="1" dirty="0" smtClean="0">
+              <a:rPr lang="en" sz="5400" b="1" dirty="0">
                 <a:solidFill>
                   <a:schemeClr val="tx1"/>
                 </a:solidFill>
               </a:rPr>
             </a:br>
             <a:r>
-              <a:rPr lang="en" sz="5400" b="1" dirty="0" smtClean="0">
+              <a:rPr lang="en" sz="5400" b="1" dirty="0">
                 <a:solidFill>
                   <a:schemeClr val="tx1"/>
                 </a:solidFill>
@@ -43670,29 +42876,21 @@
               <a:t>Design</a:t>
             </a:r>
             <a:br>
-              <a:rPr lang="en" sz="5400" b="1" dirty="0" smtClean="0">
+              <a:rPr lang="en" sz="5400" b="1" dirty="0">
+                <a:solidFill>
+                  <a:schemeClr val="tx1"/>
+                </a:solidFill>
+              </a:rPr>
+            </a:br>
+            <a:br>
+              <a:rPr lang="en" sz="4400" dirty="0">
                 <a:solidFill>
                   <a:schemeClr val="tx1"/>
                 </a:solidFill>
               </a:rPr>
             </a:br>
             <a:r>
-              <a:rPr lang="en" sz="4400" dirty="0" smtClean="0">
-                <a:solidFill>
-                  <a:schemeClr val="tx1"/>
-                </a:solidFill>
-              </a:rPr>
-              <a:t/>
-            </a:r>
-            <a:br>
-              <a:rPr lang="en" sz="4400" dirty="0" smtClean="0">
-                <a:solidFill>
-                  <a:schemeClr val="tx1"/>
-                </a:solidFill>
-              </a:rPr>
-            </a:br>
-            <a:r>
-              <a:rPr lang="en" sz="3600" i="1" dirty="0" smtClean="0">
+              <a:rPr lang="en" sz="3600" i="1" dirty="0">
                 <a:solidFill>
                   <a:schemeClr val="tx1"/>
                 </a:solidFill>
@@ -45211,16 +44409,12 @@
           <a:p>
             <a:pPr algn="ctr"/>
             <a:r>
-              <a:rPr lang="en-US" sz="2400" dirty="0" smtClean="0">
+              <a:rPr lang="en-US" sz="2400" dirty="0">
                 <a:latin typeface="Walter Turncoat" panose="020B0604020202020204" charset="0"/>
                 <a:ea typeface="Walter Turncoat" panose="020B0604020202020204" charset="0"/>
               </a:rPr>
               <a:t>2D Point</a:t>
             </a:r>
-            <a:endParaRPr lang="en-US" sz="2400" dirty="0">
-              <a:latin typeface="Walter Turncoat" panose="020B0604020202020204" charset="0"/>
-              <a:ea typeface="Walter Turncoat" panose="020B0604020202020204" charset="0"/>
-            </a:endParaRPr>
           </a:p>
         </p:txBody>
       </p:sp>
@@ -45269,16 +44463,12 @@
           <a:p>
             <a:pPr algn="ctr"/>
             <a:r>
-              <a:rPr lang="en-US" sz="2400" dirty="0" smtClean="0">
+              <a:rPr lang="en-US" sz="2400" dirty="0">
                 <a:latin typeface="Walter Turncoat" panose="020B0604020202020204" charset="0"/>
                 <a:ea typeface="Walter Turncoat" panose="020B0604020202020204" charset="0"/>
               </a:rPr>
               <a:t>Flight Plan</a:t>
             </a:r>
-            <a:endParaRPr lang="en-US" sz="2400" dirty="0">
-              <a:latin typeface="Walter Turncoat" panose="020B0604020202020204" charset="0"/>
-              <a:ea typeface="Walter Turncoat" panose="020B0604020202020204" charset="0"/>
-            </a:endParaRPr>
           </a:p>
         </p:txBody>
       </p:sp>
@@ -45327,16 +44517,12 @@
           <a:p>
             <a:pPr algn="ctr"/>
             <a:r>
-              <a:rPr lang="en-US" sz="2400" dirty="0" smtClean="0">
+              <a:rPr lang="en-US" sz="2400" dirty="0">
                 <a:latin typeface="Walter Turncoat" panose="020B0604020202020204" charset="0"/>
                 <a:ea typeface="Walter Turncoat" panose="020B0604020202020204" charset="0"/>
               </a:rPr>
               <a:t>Fix</a:t>
             </a:r>
-            <a:endParaRPr lang="en-US" sz="2400" dirty="0">
-              <a:latin typeface="Walter Turncoat" panose="020B0604020202020204" charset="0"/>
-              <a:ea typeface="Walter Turncoat" panose="020B0604020202020204" charset="0"/>
-            </a:endParaRPr>
           </a:p>
         </p:txBody>
       </p:sp>
@@ -45451,16 +44637,12 @@
           <a:p>
             <a:pPr algn="ctr"/>
             <a:r>
-              <a:rPr lang="en-US" sz="2400" dirty="0" smtClean="0">
+              <a:rPr lang="en-US" sz="2400" dirty="0">
                 <a:latin typeface="Walter Turncoat" panose="020B0604020202020204" charset="0"/>
                 <a:ea typeface="Walter Turncoat" panose="020B0604020202020204" charset="0"/>
               </a:rPr>
               <a:t>Route</a:t>
             </a:r>
-            <a:endParaRPr lang="en-US" sz="2400" dirty="0">
-              <a:latin typeface="Walter Turncoat" panose="020B0604020202020204" charset="0"/>
-              <a:ea typeface="Walter Turncoat" panose="020B0604020202020204" charset="0"/>
-            </a:endParaRPr>
           </a:p>
         </p:txBody>
       </p:sp>
@@ -45542,16 +44724,12 @@
           <a:p>
             <a:pPr algn="ctr"/>
             <a:r>
-              <a:rPr lang="en-US" sz="2400" dirty="0" smtClean="0">
+              <a:rPr lang="en-US" sz="2400" dirty="0">
                 <a:latin typeface="Walter Turncoat" panose="020B0604020202020204" charset="0"/>
                 <a:ea typeface="Walter Turncoat" panose="020B0604020202020204" charset="0"/>
               </a:rPr>
               <a:t>Flight</a:t>
             </a:r>
-            <a:endParaRPr lang="en-US" sz="2400" dirty="0">
-              <a:latin typeface="Walter Turncoat" panose="020B0604020202020204" charset="0"/>
-              <a:ea typeface="Walter Turncoat" panose="020B0604020202020204" charset="0"/>
-            </a:endParaRPr>
           </a:p>
         </p:txBody>
       </p:sp>
@@ -48454,16 +47632,12 @@
           <a:lstStyle/>
           <a:p>
             <a:r>
-              <a:rPr lang="en-US" sz="2400" dirty="0" smtClean="0">
+              <a:rPr lang="en-US" sz="2400" dirty="0">
                 <a:latin typeface="Walter Turncoat" panose="020B0604020202020204" charset="0"/>
                 <a:ea typeface="Walter Turncoat" panose="020B0604020202020204" charset="0"/>
               </a:rPr>
               <a:t>Flight Control System</a:t>
             </a:r>
-            <a:endParaRPr lang="en-US" sz="2400" dirty="0">
-              <a:latin typeface="Walter Turncoat" panose="020B0604020202020204" charset="0"/>
-              <a:ea typeface="Walter Turncoat" panose="020B0604020202020204" charset="0"/>
-            </a:endParaRPr>
           </a:p>
         </p:txBody>
       </p:sp>
@@ -48490,7 +47664,7 @@
           <a:lstStyle/>
           <a:p>
             <a:r>
-              <a:rPr lang="en-US" sz="1800" dirty="0" smtClean="0">
+              <a:rPr lang="en-US" sz="1800" dirty="0">
                 <a:latin typeface="Sniglet" panose="020B0604020202020204" charset="0"/>
               </a:rPr>
               <a:t>Flight Plan</a:t>
@@ -48502,7 +47676,7 @@
               <a:buChar char="-"/>
             </a:pPr>
             <a:r>
-              <a:rPr lang="en-US" sz="1800" dirty="0" smtClean="0">
+              <a:rPr lang="en-US" sz="1800" dirty="0">
                 <a:latin typeface="Sniglet" panose="020B0604020202020204" charset="0"/>
               </a:rPr>
               <a:t>Route</a:t>
@@ -48514,7 +47688,7 @@
               <a:buChar char="-"/>
             </a:pPr>
             <a:r>
-              <a:rPr lang="en-US" sz="1800" dirty="0" smtClean="0">
+              <a:rPr lang="en-US" sz="1800" dirty="0">
                 <a:latin typeface="Sniglet" panose="020B0604020202020204" charset="0"/>
               </a:rPr>
               <a:t>Altitude</a:t>
@@ -48529,17 +47703,8 @@
               <a:rPr lang="en-US" sz="1800" dirty="0">
                 <a:latin typeface="Sniglet" panose="020B0604020202020204" charset="0"/>
               </a:rPr>
-              <a:t>S</a:t>
+              <a:t>Speed</a:t>
             </a:r>
-            <a:r>
-              <a:rPr lang="en-US" sz="1800" dirty="0" smtClean="0">
-                <a:latin typeface="Sniglet" panose="020B0604020202020204" charset="0"/>
-              </a:rPr>
-              <a:t>peed</a:t>
-            </a:r>
-            <a:endParaRPr lang="en-US" sz="1800" dirty="0">
-              <a:latin typeface="Sniglet" panose="020B0604020202020204" charset="0"/>
-            </a:endParaRPr>
           </a:p>
         </p:txBody>
       </p:sp>
@@ -49963,7 +49128,7 @@
           <a:lstStyle/>
           <a:p>
             <a:r>
-              <a:rPr lang="en-US" sz="1800" dirty="0" smtClean="0">
+              <a:rPr lang="en-US" sz="1800" dirty="0">
                 <a:latin typeface="Sniglet" panose="020B0604020202020204" charset="0"/>
               </a:rPr>
               <a:t>Flight Plan</a:t>
@@ -49975,7 +49140,7 @@
               <a:buChar char="-"/>
             </a:pPr>
             <a:r>
-              <a:rPr lang="en-US" sz="1800" dirty="0" smtClean="0">
+              <a:rPr lang="en-US" sz="1800" dirty="0">
                 <a:latin typeface="Sniglet" panose="020B0604020202020204" charset="0"/>
               </a:rPr>
               <a:t>Type</a:t>
@@ -49987,7 +49152,7 @@
               <a:buChar char="-"/>
             </a:pPr>
             <a:r>
-              <a:rPr lang="en-US" sz="1800" dirty="0" smtClean="0">
+              <a:rPr lang="en-US" sz="1800" dirty="0">
                 <a:latin typeface="Sniglet" panose="020B0604020202020204" charset="0"/>
               </a:rPr>
               <a:t>Crew</a:t>
@@ -49999,14 +49164,11 @@
               <a:buChar char="-"/>
             </a:pPr>
             <a:r>
-              <a:rPr lang="en-US" sz="1800" dirty="0" smtClean="0">
+              <a:rPr lang="en-US" sz="1800" dirty="0">
                 <a:latin typeface="Sniglet" panose="020B0604020202020204" charset="0"/>
               </a:rPr>
               <a:t>Route</a:t>
             </a:r>
-            <a:endParaRPr lang="en-US" sz="1800" dirty="0">
-              <a:latin typeface="Sniglet" panose="020B0604020202020204" charset="0"/>
-            </a:endParaRPr>
           </a:p>
         </p:txBody>
       </p:sp>
@@ -52519,16 +51681,12 @@
           <a:lstStyle/>
           <a:p>
             <a:r>
-              <a:rPr lang="en-US" sz="2400" dirty="0" smtClean="0">
+              <a:rPr lang="en-US" sz="2400" dirty="0">
                 <a:latin typeface="Walter Turncoat" panose="020B0604020202020204" charset="0"/>
                 <a:ea typeface="Walter Turncoat" panose="020B0604020202020204" charset="0"/>
               </a:rPr>
               <a:t>Other System</a:t>
             </a:r>
-            <a:endParaRPr lang="en-US" sz="2400" dirty="0">
-              <a:latin typeface="Walter Turncoat" panose="020B0604020202020204" charset="0"/>
-              <a:ea typeface="Walter Turncoat" panose="020B0604020202020204" charset="0"/>
-            </a:endParaRPr>
           </a:p>
         </p:txBody>
       </p:sp>
@@ -52636,7 +51794,7 @@
               </a:buClr>
               <a:buNone/>
             </a:pPr>
-            <a:endParaRPr lang="en-US" sz="1600" b="1" dirty="0" smtClean="0">
+            <a:endParaRPr lang="en-US" sz="1600" b="1" dirty="0">
               <a:solidFill>
                 <a:schemeClr val="tx1"/>
               </a:solidFill>
@@ -52674,20 +51832,12 @@
               <a:buChar char="-"/>
             </a:pPr>
             <a:r>
-              <a:rPr lang="en-US" sz="1600" b="1" dirty="0" smtClean="0">
-                <a:solidFill>
-                  <a:schemeClr val="tx1"/>
-                </a:solidFill>
-              </a:rPr>
-              <a:t>Domain-Driven </a:t>
-            </a:r>
-            <a:r>
               <a:rPr lang="en-US" sz="1600" b="1" dirty="0">
                 <a:solidFill>
                   <a:schemeClr val="tx1"/>
                 </a:solidFill>
               </a:rPr>
-              <a:t>Design Quickly</a:t>
+              <a:t>Domain-Driven Design Quickly</a:t>
             </a:r>
           </a:p>
           <a:p>
@@ -52702,18 +51852,13 @@
               <a:buChar char="-"/>
             </a:pPr>
             <a:r>
-              <a:rPr lang="en-US" sz="1600" b="1" dirty="0" smtClean="0">
+              <a:rPr lang="en-US" sz="1600" b="1" dirty="0">
                 <a:solidFill>
                   <a:schemeClr val="tx1"/>
                 </a:solidFill>
               </a:rPr>
               <a:t>Implementing Domain-Driven Design </a:t>
             </a:r>
-            <a:endParaRPr lang="en-US" sz="1600" b="1" dirty="0" smtClean="0">
-              <a:solidFill>
-                <a:schemeClr val="tx1"/>
-              </a:solidFill>
-            </a:endParaRPr>
           </a:p>
           <a:p>
             <a:pPr marL="571500" indent="-342900">
@@ -52734,11 +51879,6 @@
               </a:rPr>
               <a:t>https://domainlanguage.com/ddd/howtoreadthebook/ReadingDDDForManagers.pdf</a:t>
             </a:r>
-            <a:endParaRPr lang="en-US" sz="1600" b="1" dirty="0">
-              <a:solidFill>
-                <a:schemeClr val="tx1"/>
-              </a:solidFill>
-            </a:endParaRPr>
           </a:p>
         </p:txBody>
       </p:sp>
@@ -52796,16 +51936,15 @@
           <a:lstStyle/>
           <a:p>
             <a:pPr lvl="0" algn="l"/>
-            <a:r>
-              <a:rPr lang="en-US" sz="1400" dirty="0" smtClean="0">
+            <a:br>
+              <a:rPr lang="en-US" sz="1400" dirty="0">
                 <a:solidFill>
                   <a:schemeClr val="tx1"/>
                 </a:solidFill>
               </a:rPr>
-              <a:t/>
-            </a:r>
+            </a:br>
             <a:br>
-              <a:rPr lang="en-US" sz="1400" dirty="0" smtClean="0">
+              <a:rPr lang="en-US" sz="1400" dirty="0">
                 <a:solidFill>
                   <a:schemeClr val="tx1"/>
                 </a:solidFill>
@@ -52817,7 +51956,22 @@
                   <a:schemeClr val="tx1"/>
                 </a:solidFill>
               </a:rPr>
-              <a:t/>
+              <a:t>	- S.O.L.I.D</a:t>
+            </a:r>
+            <a:br>
+              <a:rPr lang="en-US" sz="1400" dirty="0">
+                <a:solidFill>
+                  <a:schemeClr val="tx1"/>
+                </a:solidFill>
+              </a:rPr>
+            </a:br>
+            <a:r>
+              <a:rPr lang="en-US" sz="1400" dirty="0">
+                <a:solidFill>
+                  <a:schemeClr val="tx1"/>
+                </a:solidFill>
+              </a:rPr>
+              <a:t>	- Models for the Rescue</a:t>
             </a:r>
             <a:br>
               <a:rPr lang="en-US" sz="1400" dirty="0">
@@ -52835,20 +51989,155 @@
               <a:t>	- </a:t>
             </a:r>
             <a:r>
-              <a:rPr lang="en-US" sz="1400" dirty="0" smtClean="0">
+              <a:rPr lang="en-US" sz="1400" b="1" u="sng" dirty="0">
                 <a:solidFill>
                   <a:schemeClr val="tx1"/>
                 </a:solidFill>
               </a:rPr>
-              <a:t>S.O.L.I.D</a:t>
+              <a:t>Domain Driven Design</a:t>
             </a:r>
+            <a:br>
+              <a:rPr lang="en-US" sz="1400" b="1" u="sng" dirty="0">
+                <a:solidFill>
+                  <a:schemeClr val="tx1"/>
+                </a:solidFill>
+              </a:rPr>
+            </a:br>
             <a:r>
               <a:rPr lang="en-US" sz="1400" dirty="0">
                 <a:solidFill>
                   <a:schemeClr val="tx1"/>
                 </a:solidFill>
               </a:rPr>
-              <a:t/>
+              <a:t>		- DDD Introduction</a:t>
+            </a:r>
+            <a:br>
+              <a:rPr lang="en-US" sz="1400" b="1" i="1" dirty="0">
+                <a:solidFill>
+                  <a:schemeClr val="tx1"/>
+                </a:solidFill>
+              </a:rPr>
+            </a:br>
+            <a:r>
+              <a:rPr lang="en-US" sz="1400" dirty="0">
+                <a:solidFill>
+                  <a:schemeClr val="tx1"/>
+                </a:solidFill>
+              </a:rPr>
+              <a:t>		- </a:t>
+            </a:r>
+            <a:r>
+              <a:rPr lang="en-US" sz="1400" b="1" dirty="0">
+                <a:solidFill>
+                  <a:schemeClr val="tx1"/>
+                </a:solidFill>
+              </a:rPr>
+              <a:t>DDD Strategic Design</a:t>
+            </a:r>
+            <a:br>
+              <a:rPr lang="en-US" sz="1400" dirty="0">
+                <a:solidFill>
+                  <a:schemeClr val="tx1"/>
+                </a:solidFill>
+              </a:rPr>
+            </a:br>
+            <a:r>
+              <a:rPr lang="en-US" sz="1400" dirty="0">
+                <a:solidFill>
+                  <a:schemeClr val="tx1"/>
+                </a:solidFill>
+              </a:rPr>
+              <a:t>		- DDD Tactical Design</a:t>
+            </a:r>
+            <a:br>
+              <a:rPr lang="en-US" sz="1400" dirty="0">
+                <a:solidFill>
+                  <a:schemeClr val="tx1"/>
+                </a:solidFill>
+              </a:rPr>
+            </a:br>
+            <a:r>
+              <a:rPr lang="en-US" sz="1400" dirty="0">
+                <a:solidFill>
+                  <a:schemeClr val="tx1"/>
+                </a:solidFill>
+              </a:rPr>
+              <a:t>	- Software Architecture (Parts I, II &amp; III)</a:t>
+            </a:r>
+            <a:br>
+              <a:rPr lang="en-US" sz="1400" dirty="0">
+                <a:solidFill>
+                  <a:schemeClr val="tx1"/>
+                </a:solidFill>
+              </a:rPr>
+            </a:br>
+            <a:r>
+              <a:rPr lang="en-US" sz="1400" dirty="0">
+                <a:solidFill>
+                  <a:schemeClr val="tx1"/>
+                </a:solidFill>
+              </a:rPr>
+              <a:t>	- Application Lifecycle Management</a:t>
+            </a:r>
+            <a:br>
+              <a:rPr lang="en-US" sz="1400" dirty="0">
+                <a:solidFill>
+                  <a:schemeClr val="tx1"/>
+                </a:solidFill>
+              </a:rPr>
+            </a:br>
+            <a:r>
+              <a:rPr lang="en-US" sz="1400" dirty="0">
+                <a:solidFill>
+                  <a:schemeClr val="tx1"/>
+                </a:solidFill>
+              </a:rPr>
+              <a:t>	- Continuous Integration, Deployment, Delivery</a:t>
+            </a:r>
+            <a:br>
+              <a:rPr lang="en-US" sz="1400" dirty="0">
+                <a:solidFill>
+                  <a:schemeClr val="tx1"/>
+                </a:solidFill>
+              </a:rPr>
+            </a:br>
+            <a:r>
+              <a:rPr lang="en-US" sz="1400" dirty="0">
+                <a:solidFill>
+                  <a:schemeClr val="tx1"/>
+                </a:solidFill>
+              </a:rPr>
+              <a:t>	- Generic Domain as a Service</a:t>
+            </a:r>
+            <a:br>
+              <a:rPr lang="en-US" sz="1400" dirty="0">
+                <a:solidFill>
+                  <a:schemeClr val="tx1"/>
+                </a:solidFill>
+              </a:rPr>
+            </a:br>
+            <a:r>
+              <a:rPr lang="en-US" sz="1400" dirty="0">
+                <a:solidFill>
+                  <a:schemeClr val="tx1"/>
+                </a:solidFill>
+              </a:rPr>
+              <a:t>	- CQRS</a:t>
+            </a:r>
+            <a:br>
+              <a:rPr lang="en-US" sz="1400" dirty="0">
+                <a:solidFill>
+                  <a:schemeClr val="tx1"/>
+                </a:solidFill>
+              </a:rPr>
+            </a:br>
+            <a:r>
+              <a:rPr lang="en-US" sz="1400" dirty="0">
+                <a:solidFill>
+                  <a:schemeClr val="tx1"/>
+                </a:solidFill>
+              </a:rPr>
+              <a:t>	- Event Sourcing</a:t>
             </a:r>
             <a:br>
               <a:rPr lang="en-US" sz="1400" dirty="0">
@@ -52866,12 +52155,12 @@
               <a:t>	- </a:t>
             </a:r>
             <a:r>
-              <a:rPr lang="en-US" sz="1400" dirty="0" smtClean="0">
+              <a:rPr lang="en-US" sz="1400" dirty="0" err="1">
                 <a:solidFill>
                   <a:schemeClr val="tx1"/>
                 </a:solidFill>
               </a:rPr>
-              <a:t>Models </a:t>
+              <a:t>oAuth</a:t>
             </a:r>
             <a:r>
               <a:rPr lang="en-US" sz="1400" dirty="0">
@@ -52879,23 +52168,22 @@
                   <a:schemeClr val="tx1"/>
                 </a:solidFill>
               </a:rPr>
-              <a:t>for the </a:t>
+              <a:t> 2.0 &amp; OIDC</a:t>
             </a:r>
-            <a:r>
-              <a:rPr lang="en-US" sz="1400" dirty="0" smtClean="0">
+            <a:br>
+              <a:rPr lang="en-US" sz="1400" dirty="0">
                 <a:solidFill>
                   <a:schemeClr val="tx1"/>
                 </a:solidFill>
               </a:rPr>
-              <a:t>Rescue</a:t>
-            </a:r>
+            </a:br>
             <a:r>
               <a:rPr lang="en-US" sz="1400" dirty="0">
                 <a:solidFill>
                   <a:schemeClr val="tx1"/>
                 </a:solidFill>
               </a:rPr>
-              <a:t/>
+              <a:t>	- Lucene</a:t>
             </a:r>
             <a:br>
               <a:rPr lang="en-US" sz="1400" dirty="0">
@@ -52913,98 +52201,12 @@
               <a:t>	- </a:t>
             </a:r>
             <a:r>
-              <a:rPr lang="en-US" sz="1400" b="1" u="sng" dirty="0" smtClean="0">
+              <a:rPr lang="en-US" sz="1400" dirty="0" err="1">
                 <a:solidFill>
                   <a:schemeClr val="tx1"/>
                 </a:solidFill>
               </a:rPr>
-              <a:t>Domain </a:t>
-            </a:r>
-            <a:r>
-              <a:rPr lang="en-US" sz="1400" b="1" u="sng" dirty="0">
-                <a:solidFill>
-                  <a:schemeClr val="tx1"/>
-                </a:solidFill>
-              </a:rPr>
-              <a:t>Driven </a:t>
-            </a:r>
-            <a:r>
-              <a:rPr lang="en-US" sz="1400" b="1" u="sng" dirty="0" smtClean="0">
-                <a:solidFill>
-                  <a:schemeClr val="tx1"/>
-                </a:solidFill>
-              </a:rPr>
-              <a:t>Design</a:t>
-            </a:r>
-            <a:r>
-              <a:rPr lang="en-US" sz="1400" b="1" u="sng" dirty="0">
-                <a:solidFill>
-                  <a:schemeClr val="tx1"/>
-                </a:solidFill>
-              </a:rPr>
-              <a:t/>
-            </a:r>
-            <a:br>
-              <a:rPr lang="en-US" sz="1400" b="1" u="sng" dirty="0">
-                <a:solidFill>
-                  <a:schemeClr val="tx1"/>
-                </a:solidFill>
-              </a:rPr>
-            </a:br>
-            <a:r>
-              <a:rPr lang="en-US" sz="1400" dirty="0">
-                <a:solidFill>
-                  <a:schemeClr val="tx1"/>
-                </a:solidFill>
-              </a:rPr>
-              <a:t>		- </a:t>
-            </a:r>
-            <a:r>
-              <a:rPr lang="en-US" sz="1400" dirty="0" smtClean="0">
-                <a:solidFill>
-                  <a:schemeClr val="tx1"/>
-                </a:solidFill>
-              </a:rPr>
-              <a:t>DDD Introduction</a:t>
-            </a:r>
-            <a:r>
-              <a:rPr lang="en-US" sz="1400" b="1" i="1" dirty="0">
-                <a:solidFill>
-                  <a:schemeClr val="tx1"/>
-                </a:solidFill>
-              </a:rPr>
-              <a:t/>
-            </a:r>
-            <a:br>
-              <a:rPr lang="en-US" sz="1400" b="1" i="1" dirty="0">
-                <a:solidFill>
-                  <a:schemeClr val="tx1"/>
-                </a:solidFill>
-              </a:rPr>
-            </a:br>
-            <a:r>
-              <a:rPr lang="en-US" sz="1400" dirty="0">
-                <a:solidFill>
-                  <a:schemeClr val="tx1"/>
-                </a:solidFill>
-              </a:rPr>
-              <a:t>		- </a:t>
-            </a:r>
-            <a:r>
-              <a:rPr lang="en-US" sz="1400" b="1" dirty="0" smtClean="0">
-                <a:solidFill>
-                  <a:schemeClr val="tx1"/>
-                </a:solidFill>
-              </a:rPr>
-              <a:t>DDD Strategic Design</a:t>
-            </a:r>
-            <a:r>
-              <a:rPr lang="en-US" sz="1400" dirty="0">
-                <a:solidFill>
-                  <a:schemeClr val="tx1"/>
-                </a:solidFill>
-              </a:rPr>
-              <a:t/>
+              <a:t>Hystrix</a:t>
             </a:r>
             <a:br>
               <a:rPr lang="en-US" sz="1400" dirty="0">
@@ -53015,412 +52217,6 @@
             </a:br>
             <a:r>
               <a:rPr lang="en-US" sz="1400" dirty="0">
-                <a:solidFill>
-                  <a:schemeClr val="tx1"/>
-                </a:solidFill>
-              </a:rPr>
-              <a:t>		- </a:t>
-            </a:r>
-            <a:r>
-              <a:rPr lang="en-US" sz="1400" dirty="0" smtClean="0">
-                <a:solidFill>
-                  <a:schemeClr val="tx1"/>
-                </a:solidFill>
-              </a:rPr>
-              <a:t>DDD </a:t>
-            </a:r>
-            <a:r>
-              <a:rPr lang="en-US" sz="1400" dirty="0">
-                <a:solidFill>
-                  <a:schemeClr val="tx1"/>
-                </a:solidFill>
-              </a:rPr>
-              <a:t>Tactical </a:t>
-            </a:r>
-            <a:r>
-              <a:rPr lang="en-US" sz="1400" dirty="0" smtClean="0">
-                <a:solidFill>
-                  <a:schemeClr val="tx1"/>
-                </a:solidFill>
-              </a:rPr>
-              <a:t>Design</a:t>
-            </a:r>
-            <a:r>
-              <a:rPr lang="en-US" sz="1400" dirty="0">
-                <a:solidFill>
-                  <a:schemeClr val="tx1"/>
-                </a:solidFill>
-              </a:rPr>
-              <a:t/>
-            </a:r>
-            <a:br>
-              <a:rPr lang="en-US" sz="1400" dirty="0">
-                <a:solidFill>
-                  <a:schemeClr val="tx1"/>
-                </a:solidFill>
-              </a:rPr>
-            </a:br>
-            <a:r>
-              <a:rPr lang="en-US" sz="1400" dirty="0">
-                <a:solidFill>
-                  <a:schemeClr val="tx1"/>
-                </a:solidFill>
-              </a:rPr>
-              <a:t>	- </a:t>
-            </a:r>
-            <a:r>
-              <a:rPr lang="en-US" sz="1400" dirty="0" smtClean="0">
-                <a:solidFill>
-                  <a:schemeClr val="tx1"/>
-                </a:solidFill>
-              </a:rPr>
-              <a:t>Software </a:t>
-            </a:r>
-            <a:r>
-              <a:rPr lang="en-US" sz="1400" dirty="0">
-                <a:solidFill>
-                  <a:schemeClr val="tx1"/>
-                </a:solidFill>
-              </a:rPr>
-              <a:t>Architecture (Parts I, II &amp; III</a:t>
-            </a:r>
-            <a:r>
-              <a:rPr lang="en-US" sz="1400" dirty="0" smtClean="0">
-                <a:solidFill>
-                  <a:schemeClr val="tx1"/>
-                </a:solidFill>
-              </a:rPr>
-              <a:t>)</a:t>
-            </a:r>
-            <a:br>
-              <a:rPr lang="en-US" sz="1400" dirty="0" smtClean="0">
-                <a:solidFill>
-                  <a:schemeClr val="tx1"/>
-                </a:solidFill>
-              </a:rPr>
-            </a:br>
-            <a:r>
-              <a:rPr lang="en-US" sz="1400" dirty="0">
-                <a:solidFill>
-                  <a:schemeClr val="tx1"/>
-                </a:solidFill>
-              </a:rPr>
-              <a:t>	- </a:t>
-            </a:r>
-            <a:r>
-              <a:rPr lang="en-US" sz="1400" dirty="0" smtClean="0">
-                <a:solidFill>
-                  <a:schemeClr val="tx1"/>
-                </a:solidFill>
-              </a:rPr>
-              <a:t>Application </a:t>
-            </a:r>
-            <a:r>
-              <a:rPr lang="en-US" sz="1400" dirty="0">
-                <a:solidFill>
-                  <a:schemeClr val="tx1"/>
-                </a:solidFill>
-              </a:rPr>
-              <a:t>Lifecycle </a:t>
-            </a:r>
-            <a:r>
-              <a:rPr lang="en-US" sz="1400" dirty="0" smtClean="0">
-                <a:solidFill>
-                  <a:schemeClr val="tx1"/>
-                </a:solidFill>
-              </a:rPr>
-              <a:t>Management</a:t>
-            </a:r>
-            <a:r>
-              <a:rPr lang="en-US" sz="1400" dirty="0">
-                <a:solidFill>
-                  <a:schemeClr val="tx1"/>
-                </a:solidFill>
-              </a:rPr>
-              <a:t/>
-            </a:r>
-            <a:br>
-              <a:rPr lang="en-US" sz="1400" dirty="0">
-                <a:solidFill>
-                  <a:schemeClr val="tx1"/>
-                </a:solidFill>
-              </a:rPr>
-            </a:br>
-            <a:r>
-              <a:rPr lang="en-US" sz="1400" dirty="0">
-                <a:solidFill>
-                  <a:schemeClr val="tx1"/>
-                </a:solidFill>
-              </a:rPr>
-              <a:t>	- </a:t>
-            </a:r>
-            <a:r>
-              <a:rPr lang="en-US" sz="1400" dirty="0" smtClean="0">
-                <a:solidFill>
-                  <a:schemeClr val="tx1"/>
-                </a:solidFill>
-              </a:rPr>
-              <a:t>Continuous </a:t>
-            </a:r>
-            <a:r>
-              <a:rPr lang="en-US" sz="1400" dirty="0">
-                <a:solidFill>
-                  <a:schemeClr val="tx1"/>
-                </a:solidFill>
-              </a:rPr>
-              <a:t>Integration, Deployment, </a:t>
-            </a:r>
-            <a:r>
-              <a:rPr lang="en-US" sz="1400" dirty="0" smtClean="0">
-                <a:solidFill>
-                  <a:schemeClr val="tx1"/>
-                </a:solidFill>
-              </a:rPr>
-              <a:t>Delivery</a:t>
-            </a:r>
-            <a:r>
-              <a:rPr lang="en-US" sz="1400" dirty="0">
-                <a:solidFill>
-                  <a:schemeClr val="tx1"/>
-                </a:solidFill>
-              </a:rPr>
-              <a:t/>
-            </a:r>
-            <a:br>
-              <a:rPr lang="en-US" sz="1400" dirty="0">
-                <a:solidFill>
-                  <a:schemeClr val="tx1"/>
-                </a:solidFill>
-              </a:rPr>
-            </a:br>
-            <a:r>
-              <a:rPr lang="en-US" sz="1400" dirty="0">
-                <a:solidFill>
-                  <a:schemeClr val="tx1"/>
-                </a:solidFill>
-              </a:rPr>
-              <a:t>	- </a:t>
-            </a:r>
-            <a:r>
-              <a:rPr lang="en-US" sz="1400" dirty="0" smtClean="0">
-                <a:solidFill>
-                  <a:schemeClr val="tx1"/>
-                </a:solidFill>
-              </a:rPr>
-              <a:t>Generic </a:t>
-            </a:r>
-            <a:r>
-              <a:rPr lang="en-US" sz="1400" dirty="0">
-                <a:solidFill>
-                  <a:schemeClr val="tx1"/>
-                </a:solidFill>
-              </a:rPr>
-              <a:t>Domain as a </a:t>
-            </a:r>
-            <a:r>
-              <a:rPr lang="en-US" sz="1400" dirty="0" smtClean="0">
-                <a:solidFill>
-                  <a:schemeClr val="tx1"/>
-                </a:solidFill>
-              </a:rPr>
-              <a:t>Service</a:t>
-            </a:r>
-            <a:r>
-              <a:rPr lang="en-US" sz="1400" dirty="0">
-                <a:solidFill>
-                  <a:schemeClr val="tx1"/>
-                </a:solidFill>
-              </a:rPr>
-              <a:t/>
-            </a:r>
-            <a:br>
-              <a:rPr lang="en-US" sz="1400" dirty="0">
-                <a:solidFill>
-                  <a:schemeClr val="tx1"/>
-                </a:solidFill>
-              </a:rPr>
-            </a:br>
-            <a:r>
-              <a:rPr lang="en-US" sz="1400" dirty="0">
-                <a:solidFill>
-                  <a:schemeClr val="tx1"/>
-                </a:solidFill>
-              </a:rPr>
-              <a:t>	- </a:t>
-            </a:r>
-            <a:r>
-              <a:rPr lang="en-US" sz="1400" dirty="0" smtClean="0">
-                <a:solidFill>
-                  <a:schemeClr val="tx1"/>
-                </a:solidFill>
-              </a:rPr>
-              <a:t>CQRS</a:t>
-            </a:r>
-            <a:r>
-              <a:rPr lang="en-US" sz="1400" dirty="0">
-                <a:solidFill>
-                  <a:schemeClr val="tx1"/>
-                </a:solidFill>
-              </a:rPr>
-              <a:t/>
-            </a:r>
-            <a:br>
-              <a:rPr lang="en-US" sz="1400" dirty="0">
-                <a:solidFill>
-                  <a:schemeClr val="tx1"/>
-                </a:solidFill>
-              </a:rPr>
-            </a:br>
-            <a:r>
-              <a:rPr lang="en-US" sz="1400" dirty="0">
-                <a:solidFill>
-                  <a:schemeClr val="tx1"/>
-                </a:solidFill>
-              </a:rPr>
-              <a:t>	- </a:t>
-            </a:r>
-            <a:r>
-              <a:rPr lang="en-US" sz="1400" dirty="0" smtClean="0">
-                <a:solidFill>
-                  <a:schemeClr val="tx1"/>
-                </a:solidFill>
-              </a:rPr>
-              <a:t>Event Sourcing</a:t>
-            </a:r>
-            <a:r>
-              <a:rPr lang="en-US" sz="1400" dirty="0">
-                <a:solidFill>
-                  <a:schemeClr val="tx1"/>
-                </a:solidFill>
-              </a:rPr>
-              <a:t/>
-            </a:r>
-            <a:br>
-              <a:rPr lang="en-US" sz="1400" dirty="0">
-                <a:solidFill>
-                  <a:schemeClr val="tx1"/>
-                </a:solidFill>
-              </a:rPr>
-            </a:br>
-            <a:r>
-              <a:rPr lang="en-US" sz="1400" dirty="0">
-                <a:solidFill>
-                  <a:schemeClr val="tx1"/>
-                </a:solidFill>
-              </a:rPr>
-              <a:t>	- </a:t>
-            </a:r>
-            <a:r>
-              <a:rPr lang="en-US" sz="1400" dirty="0" err="1" smtClean="0">
-                <a:solidFill>
-                  <a:schemeClr val="tx1"/>
-                </a:solidFill>
-              </a:rPr>
-              <a:t>oAuth</a:t>
-            </a:r>
-            <a:r>
-              <a:rPr lang="en-US" sz="1400" dirty="0" smtClean="0">
-                <a:solidFill>
-                  <a:schemeClr val="tx1"/>
-                </a:solidFill>
-              </a:rPr>
-              <a:t> </a:t>
-            </a:r>
-            <a:r>
-              <a:rPr lang="en-US" sz="1400" dirty="0">
-                <a:solidFill>
-                  <a:schemeClr val="tx1"/>
-                </a:solidFill>
-              </a:rPr>
-              <a:t>2.0 &amp; </a:t>
-            </a:r>
-            <a:r>
-              <a:rPr lang="en-US" sz="1400" dirty="0" smtClean="0">
-                <a:solidFill>
-                  <a:schemeClr val="tx1"/>
-                </a:solidFill>
-              </a:rPr>
-              <a:t>OIDC</a:t>
-            </a:r>
-            <a:r>
-              <a:rPr lang="en-US" sz="1400" dirty="0">
-                <a:solidFill>
-                  <a:schemeClr val="tx1"/>
-                </a:solidFill>
-              </a:rPr>
-              <a:t/>
-            </a:r>
-            <a:br>
-              <a:rPr lang="en-US" sz="1400" dirty="0">
-                <a:solidFill>
-                  <a:schemeClr val="tx1"/>
-                </a:solidFill>
-              </a:rPr>
-            </a:br>
-            <a:r>
-              <a:rPr lang="en-US" sz="1400" dirty="0">
-                <a:solidFill>
-                  <a:schemeClr val="tx1"/>
-                </a:solidFill>
-              </a:rPr>
-              <a:t>	- </a:t>
-            </a:r>
-            <a:r>
-              <a:rPr lang="en-US" sz="1400" dirty="0" smtClean="0">
-                <a:solidFill>
-                  <a:schemeClr val="tx1"/>
-                </a:solidFill>
-              </a:rPr>
-              <a:t>Lucene</a:t>
-            </a:r>
-            <a:r>
-              <a:rPr lang="en-US" sz="1400" dirty="0">
-                <a:solidFill>
-                  <a:schemeClr val="tx1"/>
-                </a:solidFill>
-              </a:rPr>
-              <a:t/>
-            </a:r>
-            <a:br>
-              <a:rPr lang="en-US" sz="1400" dirty="0">
-                <a:solidFill>
-                  <a:schemeClr val="tx1"/>
-                </a:solidFill>
-              </a:rPr>
-            </a:br>
-            <a:r>
-              <a:rPr lang="en-US" sz="1400" dirty="0">
-                <a:solidFill>
-                  <a:schemeClr val="tx1"/>
-                </a:solidFill>
-              </a:rPr>
-              <a:t>	- </a:t>
-            </a:r>
-            <a:r>
-              <a:rPr lang="en-US" sz="1400" dirty="0" err="1" smtClean="0">
-                <a:solidFill>
-                  <a:schemeClr val="tx1"/>
-                </a:solidFill>
-              </a:rPr>
-              <a:t>Hystrix</a:t>
-            </a:r>
-            <a:r>
-              <a:rPr lang="en-US" sz="1400" dirty="0" smtClean="0">
-                <a:solidFill>
-                  <a:schemeClr val="tx1"/>
-                </a:solidFill>
-              </a:rPr>
-              <a:t/>
-            </a:r>
-            <a:br>
-              <a:rPr lang="en-US" sz="1400" dirty="0" smtClean="0">
-                <a:solidFill>
-                  <a:schemeClr val="tx1"/>
-                </a:solidFill>
-              </a:rPr>
-            </a:br>
-            <a:r>
-              <a:rPr lang="en-US" sz="1400" dirty="0" smtClean="0">
                 <a:solidFill>
                   <a:schemeClr val="tx1"/>
                 </a:solidFill>
@@ -53662,7 +52458,7 @@
           </a:lstStyle>
           <a:p>
             <a:r>
-              <a:rPr lang="en-US" dirty="0" smtClean="0">
+              <a:rPr lang="en-US" dirty="0">
                 <a:solidFill>
                   <a:schemeClr val="tx1"/>
                 </a:solidFill>
@@ -53670,18 +52466,13 @@
               <a:t>Coming up</a:t>
             </a:r>
             <a:r>
-              <a:rPr lang="en" dirty="0" smtClean="0">
+              <a:rPr lang="en" dirty="0">
                 <a:solidFill>
                   <a:schemeClr val="tx1"/>
                 </a:solidFill>
               </a:rPr>
               <a:t>!</a:t>
             </a:r>
-            <a:endParaRPr lang="en" dirty="0">
-              <a:solidFill>
-                <a:schemeClr val="tx1"/>
-              </a:solidFill>
-            </a:endParaRPr>
           </a:p>
         </p:txBody>
       </p:sp>
@@ -56809,7 +55600,7 @@
               <a:buNone/>
             </a:pPr>
             <a:r>
-              <a:rPr lang="en" sz="4800" dirty="0" smtClean="0">
+              <a:rPr lang="en" sz="4800" dirty="0">
                 <a:solidFill>
                   <a:schemeClr val="tx1"/>
                 </a:solidFill>
@@ -56818,13 +55609,6 @@
               </a:rPr>
               <a:t>THANKS!</a:t>
             </a:r>
-            <a:endParaRPr lang="en" sz="4800" dirty="0">
-              <a:solidFill>
-                <a:schemeClr val="tx1"/>
-              </a:solidFill>
-              <a:latin typeface="Walter Turncoat" panose="020B0604020202020204" charset="0"/>
-              <a:ea typeface="Walter Turncoat" panose="020B0604020202020204" charset="0"/>
-            </a:endParaRPr>
           </a:p>
         </p:txBody>
       </p:sp>
@@ -58228,7 +57012,7 @@
               <a:buNone/>
             </a:pPr>
             <a:r>
-              <a:rPr lang="en" sz="5400" b="1" dirty="0" smtClean="0">
+              <a:rPr lang="en" sz="5400" b="1" dirty="0">
                 <a:solidFill>
                   <a:schemeClr val="tx1"/>
                 </a:solidFill>
@@ -58236,14 +57020,14 @@
               <a:t>Domain</a:t>
             </a:r>
             <a:br>
-              <a:rPr lang="en" sz="5400" b="1" dirty="0" smtClean="0">
+              <a:rPr lang="en" sz="5400" b="1" dirty="0">
                 <a:solidFill>
                   <a:schemeClr val="tx1"/>
                 </a:solidFill>
               </a:rPr>
             </a:br>
             <a:r>
-              <a:rPr lang="en" sz="5400" b="1" dirty="0" smtClean="0">
+              <a:rPr lang="en" sz="5400" b="1" dirty="0">
                 <a:solidFill>
                   <a:schemeClr val="tx1"/>
                 </a:solidFill>
@@ -58251,14 +57035,14 @@
               <a:t>Driven </a:t>
             </a:r>
             <a:br>
-              <a:rPr lang="en" sz="5400" b="1" dirty="0" smtClean="0">
+              <a:rPr lang="en" sz="5400" b="1" dirty="0">
                 <a:solidFill>
                   <a:schemeClr val="tx1"/>
                 </a:solidFill>
               </a:rPr>
             </a:br>
             <a:r>
-              <a:rPr lang="en" sz="5400" b="1" dirty="0" smtClean="0">
+              <a:rPr lang="en" sz="5400" b="1" dirty="0">
                 <a:solidFill>
                   <a:schemeClr val="tx1"/>
                 </a:solidFill>
@@ -58266,29 +57050,21 @@
               <a:t>Design</a:t>
             </a:r>
             <a:br>
-              <a:rPr lang="en" sz="5400" b="1" dirty="0" smtClean="0">
+              <a:rPr lang="en" sz="5400" b="1" dirty="0">
+                <a:solidFill>
+                  <a:schemeClr val="tx1"/>
+                </a:solidFill>
+              </a:rPr>
+            </a:br>
+            <a:br>
+              <a:rPr lang="en" sz="4400" dirty="0">
                 <a:solidFill>
                   <a:schemeClr val="tx1"/>
                 </a:solidFill>
               </a:rPr>
             </a:br>
             <a:r>
-              <a:rPr lang="en" sz="4400" dirty="0" smtClean="0">
-                <a:solidFill>
-                  <a:schemeClr val="tx1"/>
-                </a:solidFill>
-              </a:rPr>
-              <a:t/>
-            </a:r>
-            <a:br>
-              <a:rPr lang="en" sz="4400" dirty="0" smtClean="0">
-                <a:solidFill>
-                  <a:schemeClr val="tx1"/>
-                </a:solidFill>
-              </a:rPr>
-            </a:br>
-            <a:r>
-              <a:rPr lang="en" sz="3600" i="1" dirty="0" smtClean="0">
+              <a:rPr lang="en" sz="3600" i="1" dirty="0">
                 <a:solidFill>
                   <a:schemeClr val="tx1"/>
                 </a:solidFill>
@@ -59603,14 +58379,14 @@
           <a:lstStyle/>
           <a:p>
             <a:r>
-              <a:rPr lang="en-US" sz="3600" dirty="0" smtClean="0">
+              <a:rPr lang="en-US" sz="3600" dirty="0">
                 <a:latin typeface="Sniglet" panose="020B0604020202020204" charset="0"/>
               </a:rPr>
               <a:t>FOR MANAGERS</a:t>
             </a:r>
           </a:p>
           <a:p>
-            <a:endParaRPr lang="en-US" sz="3600" dirty="0" smtClean="0">
+            <a:endParaRPr lang="en-US" sz="3600" dirty="0">
               <a:latin typeface="Sniglet" panose="020B0604020202020204" charset="0"/>
             </a:endParaRPr>
           </a:p>
@@ -59680,14 +58456,11 @@
           <a:lstStyle/>
           <a:p>
             <a:r>
-              <a:rPr lang="en-US" sz="3200" dirty="0" smtClean="0">
+              <a:rPr lang="en-US" sz="3200" dirty="0">
                 <a:latin typeface="Sniglet" panose="020B0604020202020204" charset="0"/>
               </a:rPr>
               <a:t>Domain Driven Development</a:t>
             </a:r>
-            <a:endParaRPr lang="en-US" sz="3200" dirty="0">
-              <a:latin typeface="Sniglet" panose="020B0604020202020204" charset="0"/>
-            </a:endParaRPr>
           </a:p>
         </p:txBody>
       </p:sp>
@@ -59747,14 +58520,11 @@
           <a:lstStyle/>
           <a:p>
             <a:r>
-              <a:rPr lang="en-US" sz="3200" dirty="0" smtClean="0">
+              <a:rPr lang="en-US" sz="3200" dirty="0">
                 <a:latin typeface="Sniglet" panose="020B0604020202020204" charset="0"/>
               </a:rPr>
               <a:t>Domain Driven Development</a:t>
             </a:r>
-            <a:endParaRPr lang="en-US" sz="3200" dirty="0">
-              <a:latin typeface="Sniglet" panose="020B0604020202020204" charset="0"/>
-            </a:endParaRPr>
           </a:p>
         </p:txBody>
       </p:sp>
@@ -59781,14 +58551,11 @@
           <a:lstStyle/>
           <a:p>
             <a:r>
-              <a:rPr lang="en-US" sz="3200" dirty="0" smtClean="0">
+              <a:rPr lang="en-US" sz="3200" dirty="0">
                 <a:latin typeface="Sniglet" panose="020B0604020202020204" charset="0"/>
               </a:rPr>
               <a:t>Domain Driven Design</a:t>
             </a:r>
-            <a:endParaRPr lang="en-US" sz="3200" dirty="0">
-              <a:latin typeface="Sniglet" panose="020B0604020202020204" charset="0"/>
-            </a:endParaRPr>
           </a:p>
         </p:txBody>
       </p:sp>
@@ -61126,7 +59893,7 @@
           <a:p>
             <a:pPr algn="ctr"/>
             <a:r>
-              <a:rPr lang="en-US" sz="2600" dirty="0" smtClean="0">
+              <a:rPr lang="en-US" sz="2600" dirty="0">
                 <a:latin typeface="Walter Turncoat" panose="020B0604020202020204" charset="0"/>
                 <a:ea typeface="Walter Turncoat" panose="020B0604020202020204" charset="0"/>
               </a:rPr>
@@ -61136,16 +59903,12 @@
           <a:p>
             <a:pPr algn="ctr"/>
             <a:r>
-              <a:rPr lang="en-US" sz="2600" dirty="0" smtClean="0">
+              <a:rPr lang="en-US" sz="2600" dirty="0">
                 <a:latin typeface="Walter Turncoat" panose="020B0604020202020204" charset="0"/>
                 <a:ea typeface="Walter Turncoat" panose="020B0604020202020204" charset="0"/>
               </a:rPr>
               <a:t>system architecture</a:t>
             </a:r>
-            <a:endParaRPr lang="en-US" sz="2600" dirty="0">
-              <a:latin typeface="Walter Turncoat" panose="020B0604020202020204" charset="0"/>
-              <a:ea typeface="Walter Turncoat" panose="020B0604020202020204" charset="0"/>
-            </a:endParaRPr>
           </a:p>
         </p:txBody>
       </p:sp>
@@ -61206,7 +59969,7 @@
           <a:p>
             <a:pPr algn="ctr"/>
             <a:r>
-              <a:rPr lang="en-US" sz="2600" dirty="0" smtClean="0">
+              <a:rPr lang="en-US" sz="2600" dirty="0">
                 <a:latin typeface="Walter Turncoat" panose="020B0604020202020204" charset="0"/>
                 <a:ea typeface="Walter Turncoat" panose="020B0604020202020204" charset="0"/>
               </a:rPr>
@@ -61216,16 +59979,12 @@
           <a:p>
             <a:pPr algn="ctr"/>
             <a:r>
-              <a:rPr lang="en-US" sz="2600" dirty="0" smtClean="0">
+              <a:rPr lang="en-US" sz="2600" dirty="0">
                 <a:latin typeface="Walter Turncoat" panose="020B0604020202020204" charset="0"/>
                 <a:ea typeface="Walter Turncoat" panose="020B0604020202020204" charset="0"/>
               </a:rPr>
               <a:t>system architecture</a:t>
             </a:r>
-            <a:endParaRPr lang="en-US" sz="2600" dirty="0">
-              <a:latin typeface="Walter Turncoat" panose="020B0604020202020204" charset="0"/>
-              <a:ea typeface="Walter Turncoat" panose="020B0604020202020204" charset="0"/>
-            </a:endParaRPr>
           </a:p>
         </p:txBody>
       </p:sp>
@@ -61264,7 +60023,7 @@
           <a:p>
             <a:pPr algn="ctr"/>
             <a:r>
-              <a:rPr lang="en-US" sz="2400" dirty="0" smtClean="0"/>
+              <a:rPr lang="en-US" sz="2400" dirty="0"/>
               <a:t>UI</a:t>
             </a:r>
           </a:p>
@@ -61305,7 +60064,7 @@
           <a:p>
             <a:pPr algn="ctr"/>
             <a:r>
-              <a:rPr lang="en-US" sz="2400" dirty="0" smtClean="0"/>
+              <a:rPr lang="en-US" sz="2400" dirty="0"/>
               <a:t>Business Logic</a:t>
             </a:r>
           </a:p>
@@ -61346,7 +60105,7 @@
           <a:p>
             <a:pPr algn="ctr"/>
             <a:r>
-              <a:rPr lang="en-US" sz="2400" dirty="0" smtClean="0"/>
+              <a:rPr lang="en-US" sz="2400" dirty="0"/>
               <a:t>Persistence</a:t>
             </a:r>
           </a:p>

--- a/Presentations/DomainDrivenDesign/DDD-Introduction.pptx
+++ b/Presentations/DomainDrivenDesign/DDD-Introduction.pptx
@@ -48,11 +48,11 @@
   <p:notesSz cx="6858000" cy="9144000"/>
   <p:embeddedFontLst>
     <p:embeddedFont>
-      <p:font typeface="Walter Turncoat" panose="020B0604020202020204" charset="0"/>
+      <p:font typeface="Arial Unicode MS" panose="020B0604020202020204" charset="-128"/>
       <p:regular r:id="rId38"/>
     </p:embeddedFont>
     <p:embeddedFont>
-      <p:font typeface="Arial Unicode MS" panose="020B0604020202020204" pitchFamily="34" charset="-128"/>
+      <p:font typeface="Walter Turncoat" panose="020B0604020202020204" charset="0"/>
       <p:regular r:id="rId39"/>
     </p:embeddedFont>
     <p:embeddedFont>
@@ -1352,6 +1352,28 @@
             <a:noAutofit/>
           </a:bodyPr>
           <a:lstStyle/>
+          <a:p>
+            <a:r>
+              <a:rPr lang="en-US" sz="1100" dirty="0">
+                <a:latin typeface="Sniglet" panose="020B0604020202020204" charset="0"/>
+              </a:rPr>
+              <a:t>Community did bad thing. </a:t>
+            </a:r>
+            <a:r>
+              <a:rPr lang="en-US" sz="1100">
+                <a:latin typeface="Sniglet" panose="020B0604020202020204" charset="0"/>
+              </a:rPr>
+              <a:t>Frequent changes</a:t>
+            </a:r>
+            <a:endParaRPr lang="en-US" sz="1100" dirty="0">
+              <a:latin typeface="Sniglet" panose="020B0604020202020204" charset="0"/>
+            </a:endParaRPr>
+          </a:p>
+          <a:p>
+            <a:endParaRPr lang="en-US" sz="1100" dirty="0">
+              <a:latin typeface="Sniglet" panose="020B0604020202020204" charset="0"/>
+            </a:endParaRPr>
+          </a:p>
           <a:p>
             <a:r>
               <a:rPr lang="en-US" sz="1100" dirty="0">
